--- a/Py Web Unit2f.pptx
+++ b/Py Web Unit2f.pptx
@@ -11,18 +11,22 @@
     <p:sldId id="311" r:id="rId5"/>
     <p:sldId id="312" r:id="rId6"/>
     <p:sldId id="314" r:id="rId7"/>
-    <p:sldId id="313" r:id="rId8"/>
-    <p:sldId id="315" r:id="rId9"/>
-    <p:sldId id="320" r:id="rId10"/>
-    <p:sldId id="321" r:id="rId11"/>
+    <p:sldId id="320" r:id="rId8"/>
+    <p:sldId id="321" r:id="rId9"/>
+    <p:sldId id="313" r:id="rId10"/>
+    <p:sldId id="315" r:id="rId11"/>
     <p:sldId id="322" r:id="rId12"/>
     <p:sldId id="316" r:id="rId13"/>
-    <p:sldId id="317" r:id="rId14"/>
-    <p:sldId id="318" r:id="rId15"/>
-    <p:sldId id="319" r:id="rId16"/>
-    <p:sldId id="324" r:id="rId17"/>
+    <p:sldId id="324" r:id="rId14"/>
+    <p:sldId id="317" r:id="rId15"/>
+    <p:sldId id="318" r:id="rId16"/>
+    <p:sldId id="319" r:id="rId17"/>
     <p:sldId id="325" r:id="rId18"/>
-    <p:sldId id="309" r:id="rId19"/>
+    <p:sldId id="326" r:id="rId19"/>
+    <p:sldId id="327" r:id="rId20"/>
+    <p:sldId id="328" r:id="rId21"/>
+    <p:sldId id="329" r:id="rId22"/>
+    <p:sldId id="309" r:id="rId23"/>
   </p:sldIdLst>
   <p:sldSz cx="12192000" cy="6858000"/>
   <p:notesSz cx="6858000" cy="9144000"/>
@@ -132,7 +136,7 @@
 <file path=ppt/revisionInfo.xml><?xml version="1.0" encoding="utf-8"?>
 <p1510:revInfo xmlns:a="http://schemas.openxmlformats.org/drawingml/2006/main" xmlns:r="http://schemas.openxmlformats.org/officeDocument/2006/relationships" xmlns:p1510="http://schemas.microsoft.com/office/powerpoint/2015/10/main">
   <p1510:revLst>
-    <p1510:client id="{F174B022-5B7F-4BF5-AAE0-22EF4B818302}" v="3" dt="2021-09-12T06:38:32.894"/>
+    <p1510:client id="{F174B022-5B7F-4BF5-AAE0-22EF4B818302}" v="5" dt="2021-11-16T10:35:34.941"/>
   </p1510:revLst>
 </p1510:revInfo>
 </file>
@@ -5330,18 +5334,18 @@
   <pc:docChgLst>
     <pc:chgData name="Li Lixiang" userId="6104bbfcb56aea79" providerId="LiveId" clId="{F174B022-5B7F-4BF5-AAE0-22EF4B818302}"/>
     <pc:docChg chg="undo custSel addSld delSld modSld sldOrd">
-      <pc:chgData name="Li Lixiang" userId="6104bbfcb56aea79" providerId="LiveId" clId="{F174B022-5B7F-4BF5-AAE0-22EF4B818302}" dt="2021-09-12T07:34:42.869" v="2800" actId="20577"/>
+      <pc:chgData name="Li Lixiang" userId="6104bbfcb56aea79" providerId="LiveId" clId="{F174B022-5B7F-4BF5-AAE0-22EF4B818302}" dt="2021-11-16T10:36:45.096" v="3996" actId="20577"/>
       <pc:docMkLst>
         <pc:docMk/>
       </pc:docMkLst>
       <pc:sldChg chg="modSp mod">
-        <pc:chgData name="Li Lixiang" userId="6104bbfcb56aea79" providerId="LiveId" clId="{F174B022-5B7F-4BF5-AAE0-22EF4B818302}" dt="2021-09-12T02:29:23.204" v="65" actId="20577"/>
+        <pc:chgData name="Li Lixiang" userId="6104bbfcb56aea79" providerId="LiveId" clId="{F174B022-5B7F-4BF5-AAE0-22EF4B818302}" dt="2021-10-22T07:28:41.052" v="2892" actId="20577"/>
         <pc:sldMkLst>
           <pc:docMk/>
           <pc:sldMk cId="993770899" sldId="256"/>
         </pc:sldMkLst>
         <pc:spChg chg="mod">
-          <ac:chgData name="Li Lixiang" userId="6104bbfcb56aea79" providerId="LiveId" clId="{F174B022-5B7F-4BF5-AAE0-22EF4B818302}" dt="2021-09-12T02:29:23.204" v="65" actId="20577"/>
+          <ac:chgData name="Li Lixiang" userId="6104bbfcb56aea79" providerId="LiveId" clId="{F174B022-5B7F-4BF5-AAE0-22EF4B818302}" dt="2021-10-22T07:28:41.052" v="2892" actId="20577"/>
           <ac:spMkLst>
             <pc:docMk/>
             <pc:sldMk cId="993770899" sldId="256"/>
@@ -5350,7 +5354,7 @@
         </pc:spChg>
       </pc:sldChg>
       <pc:sldChg chg="modSp mod">
-        <pc:chgData name="Li Lixiang" userId="6104bbfcb56aea79" providerId="LiveId" clId="{F174B022-5B7F-4BF5-AAE0-22EF4B818302}" dt="2021-09-12T07:34:42.869" v="2800" actId="20577"/>
+        <pc:chgData name="Li Lixiang" userId="6104bbfcb56aea79" providerId="LiveId" clId="{F174B022-5B7F-4BF5-AAE0-22EF4B818302}" dt="2021-11-09T03:12:06.500" v="3370" actId="1076"/>
         <pc:sldMkLst>
           <pc:docMk/>
           <pc:sldMk cId="3616968247" sldId="309"/>
@@ -5364,7 +5368,7 @@
           </ac:spMkLst>
         </pc:spChg>
         <pc:spChg chg="mod">
-          <ac:chgData name="Li Lixiang" userId="6104bbfcb56aea79" providerId="LiveId" clId="{F174B022-5B7F-4BF5-AAE0-22EF4B818302}" dt="2021-09-12T06:49:48.386" v="2502" actId="27636"/>
+          <ac:chgData name="Li Lixiang" userId="6104bbfcb56aea79" providerId="LiveId" clId="{F174B022-5B7F-4BF5-AAE0-22EF4B818302}" dt="2021-11-09T03:11:56.187" v="3369" actId="27636"/>
           <ac:spMkLst>
             <pc:docMk/>
             <pc:sldMk cId="3616968247" sldId="309"/>
@@ -5372,7 +5376,7 @@
           </ac:spMkLst>
         </pc:spChg>
         <pc:spChg chg="mod">
-          <ac:chgData name="Li Lixiang" userId="6104bbfcb56aea79" providerId="LiveId" clId="{F174B022-5B7F-4BF5-AAE0-22EF4B818302}" dt="2021-09-12T07:34:42.869" v="2800" actId="20577"/>
+          <ac:chgData name="Li Lixiang" userId="6104bbfcb56aea79" providerId="LiveId" clId="{F174B022-5B7F-4BF5-AAE0-22EF4B818302}" dt="2021-11-09T03:12:06.500" v="3370" actId="1076"/>
           <ac:spMkLst>
             <pc:docMk/>
             <pc:sldMk cId="3616968247" sldId="309"/>
@@ -5381,7 +5385,7 @@
         </pc:spChg>
       </pc:sldChg>
       <pc:sldChg chg="addSp delSp modSp mod ord">
-        <pc:chgData name="Li Lixiang" userId="6104bbfcb56aea79" providerId="LiveId" clId="{F174B022-5B7F-4BF5-AAE0-22EF4B818302}" dt="2021-09-12T06:42:22.692" v="2326" actId="20577"/>
+        <pc:chgData name="Li Lixiang" userId="6104bbfcb56aea79" providerId="LiveId" clId="{F174B022-5B7F-4BF5-AAE0-22EF4B818302}" dt="2021-10-22T07:29:09.343" v="2895" actId="313"/>
         <pc:sldMkLst>
           <pc:docMk/>
           <pc:sldMk cId="3994271121" sldId="310"/>
@@ -5411,7 +5415,7 @@
           </ac:spMkLst>
         </pc:spChg>
         <pc:spChg chg="add mod">
-          <ac:chgData name="Li Lixiang" userId="6104bbfcb56aea79" providerId="LiveId" clId="{F174B022-5B7F-4BF5-AAE0-22EF4B818302}" dt="2021-09-12T06:42:22.692" v="2326" actId="20577"/>
+          <ac:chgData name="Li Lixiang" userId="6104bbfcb56aea79" providerId="LiveId" clId="{F174B022-5B7F-4BF5-AAE0-22EF4B818302}" dt="2021-10-22T07:29:09.343" v="2895" actId="313"/>
           <ac:spMkLst>
             <pc:docMk/>
             <pc:sldMk cId="3994271121" sldId="310"/>
@@ -5609,7 +5613,7 @@
         </pc:picChg>
       </pc:sldChg>
       <pc:sldChg chg="addSp delSp modSp mod">
-        <pc:chgData name="Li Lixiang" userId="6104bbfcb56aea79" providerId="LiveId" clId="{F174B022-5B7F-4BF5-AAE0-22EF4B818302}" dt="2021-09-12T02:37:16.015" v="911" actId="1076"/>
+        <pc:chgData name="Li Lixiang" userId="6104bbfcb56aea79" providerId="LiveId" clId="{F174B022-5B7F-4BF5-AAE0-22EF4B818302}" dt="2021-11-09T02:59:50.114" v="3173" actId="14100"/>
         <pc:sldMkLst>
           <pc:docMk/>
           <pc:sldMk cId="2608967044" sldId="314"/>
@@ -5647,7 +5651,7 @@
           </ac:picMkLst>
         </pc:picChg>
         <pc:picChg chg="add mod">
-          <ac:chgData name="Li Lixiang" userId="6104bbfcb56aea79" providerId="LiveId" clId="{F174B022-5B7F-4BF5-AAE0-22EF4B818302}" dt="2021-09-12T02:37:16.015" v="911" actId="1076"/>
+          <ac:chgData name="Li Lixiang" userId="6104bbfcb56aea79" providerId="LiveId" clId="{F174B022-5B7F-4BF5-AAE0-22EF4B818302}" dt="2021-11-09T02:59:50.114" v="3173" actId="14100"/>
           <ac:picMkLst>
             <pc:docMk/>
             <pc:sldMk cId="2608967044" sldId="314"/>
@@ -5790,7 +5794,7 @@
         </pc:picChg>
       </pc:sldChg>
       <pc:sldChg chg="addSp delSp modSp mod">
-        <pc:chgData name="Li Lixiang" userId="6104bbfcb56aea79" providerId="LiveId" clId="{F174B022-5B7F-4BF5-AAE0-22EF4B818302}" dt="2021-09-12T06:36:04.411" v="1915" actId="1076"/>
+        <pc:chgData name="Li Lixiang" userId="6104bbfcb56aea79" providerId="LiveId" clId="{F174B022-5B7F-4BF5-AAE0-22EF4B818302}" dt="2021-10-22T07:29:01.553" v="2893" actId="313"/>
         <pc:sldMkLst>
           <pc:docMk/>
           <pc:sldMk cId="2298238761" sldId="317"/>
@@ -5804,7 +5808,7 @@
           </ac:spMkLst>
         </pc:spChg>
         <pc:spChg chg="mod">
-          <ac:chgData name="Li Lixiang" userId="6104bbfcb56aea79" providerId="LiveId" clId="{F174B022-5B7F-4BF5-AAE0-22EF4B818302}" dt="2021-09-12T06:35:43.910" v="1912" actId="20577"/>
+          <ac:chgData name="Li Lixiang" userId="6104bbfcb56aea79" providerId="LiveId" clId="{F174B022-5B7F-4BF5-AAE0-22EF4B818302}" dt="2021-10-22T07:29:01.553" v="2893" actId="313"/>
           <ac:spMkLst>
             <pc:docMk/>
             <pc:sldMk cId="2298238761" sldId="317"/>
@@ -5938,14 +5942,14 @@
           </ac:picMkLst>
         </pc:picChg>
       </pc:sldChg>
-      <pc:sldChg chg="addSp modSp new mod">
-        <pc:chgData name="Li Lixiang" userId="6104bbfcb56aea79" providerId="LiveId" clId="{F174B022-5B7F-4BF5-AAE0-22EF4B818302}" dt="2021-09-12T02:40:55.580" v="1216" actId="1076"/>
+      <pc:sldChg chg="addSp modSp new mod ord">
+        <pc:chgData name="Li Lixiang" userId="6104bbfcb56aea79" providerId="LiveId" clId="{F174B022-5B7F-4BF5-AAE0-22EF4B818302}" dt="2021-11-09T03:07:10.097" v="3258" actId="20577"/>
         <pc:sldMkLst>
           <pc:docMk/>
           <pc:sldMk cId="1322435330" sldId="320"/>
         </pc:sldMkLst>
         <pc:spChg chg="mod">
-          <ac:chgData name="Li Lixiang" userId="6104bbfcb56aea79" providerId="LiveId" clId="{F174B022-5B7F-4BF5-AAE0-22EF4B818302}" dt="2021-09-12T02:39:43.725" v="1048" actId="20577"/>
+          <ac:chgData name="Li Lixiang" userId="6104bbfcb56aea79" providerId="LiveId" clId="{F174B022-5B7F-4BF5-AAE0-22EF4B818302}" dt="2021-11-09T03:04:24.201" v="3190" actId="20577"/>
           <ac:spMkLst>
             <pc:docMk/>
             <pc:sldMk cId="1322435330" sldId="320"/>
@@ -5953,7 +5957,7 @@
           </ac:spMkLst>
         </pc:spChg>
         <pc:spChg chg="mod">
-          <ac:chgData name="Li Lixiang" userId="6104bbfcb56aea79" providerId="LiveId" clId="{F174B022-5B7F-4BF5-AAE0-22EF4B818302}" dt="2021-09-12T02:40:32.187" v="1214" actId="20577"/>
+          <ac:chgData name="Li Lixiang" userId="6104bbfcb56aea79" providerId="LiveId" clId="{F174B022-5B7F-4BF5-AAE0-22EF4B818302}" dt="2021-11-09T03:07:10.097" v="3258" actId="20577"/>
           <ac:spMkLst>
             <pc:docMk/>
             <pc:sldMk cId="1322435330" sldId="320"/>
@@ -5961,7 +5965,7 @@
           </ac:spMkLst>
         </pc:spChg>
         <pc:picChg chg="add mod">
-          <ac:chgData name="Li Lixiang" userId="6104bbfcb56aea79" providerId="LiveId" clId="{F174B022-5B7F-4BF5-AAE0-22EF4B818302}" dt="2021-09-12T02:40:55.580" v="1216" actId="1076"/>
+          <ac:chgData name="Li Lixiang" userId="6104bbfcb56aea79" providerId="LiveId" clId="{F174B022-5B7F-4BF5-AAE0-22EF4B818302}" dt="2021-11-09T03:06:55.182" v="3235" actId="14100"/>
           <ac:picMkLst>
             <pc:docMk/>
             <pc:sldMk cId="1322435330" sldId="320"/>
@@ -5969,8 +5973,8 @@
           </ac:picMkLst>
         </pc:picChg>
       </pc:sldChg>
-      <pc:sldChg chg="addSp delSp modSp new mod">
-        <pc:chgData name="Li Lixiang" userId="6104bbfcb56aea79" providerId="LiveId" clId="{F174B022-5B7F-4BF5-AAE0-22EF4B818302}" dt="2021-09-12T02:41:48.549" v="1272" actId="207"/>
+      <pc:sldChg chg="addSp delSp modSp new mod ord">
+        <pc:chgData name="Li Lixiang" userId="6104bbfcb56aea79" providerId="LiveId" clId="{F174B022-5B7F-4BF5-AAE0-22EF4B818302}" dt="2021-11-16T10:02:32.191" v="3534"/>
         <pc:sldMkLst>
           <pc:docMk/>
           <pc:sldMk cId="1533669081" sldId="321"/>
@@ -6009,7 +6013,7 @@
         </pc:picChg>
       </pc:sldChg>
       <pc:sldChg chg="modSp new mod">
-        <pc:chgData name="Li Lixiang" userId="6104bbfcb56aea79" providerId="LiveId" clId="{F174B022-5B7F-4BF5-AAE0-22EF4B818302}" dt="2021-09-12T02:43:38.348" v="1379" actId="14100"/>
+        <pc:chgData name="Li Lixiang" userId="6104bbfcb56aea79" providerId="LiveId" clId="{F174B022-5B7F-4BF5-AAE0-22EF4B818302}" dt="2021-11-09T03:11:12.550" v="3335" actId="14100"/>
         <pc:sldMkLst>
           <pc:docMk/>
           <pc:sldMk cId="784324362" sldId="322"/>
@@ -6023,7 +6027,7 @@
           </ac:spMkLst>
         </pc:spChg>
         <pc:spChg chg="mod">
-          <ac:chgData name="Li Lixiang" userId="6104bbfcb56aea79" providerId="LiveId" clId="{F174B022-5B7F-4BF5-AAE0-22EF4B818302}" dt="2021-09-12T02:43:38.348" v="1379" actId="14100"/>
+          <ac:chgData name="Li Lixiang" userId="6104bbfcb56aea79" providerId="LiveId" clId="{F174B022-5B7F-4BF5-AAE0-22EF4B818302}" dt="2021-11-09T03:11:12.550" v="3335" actId="14100"/>
           <ac:spMkLst>
             <pc:docMk/>
             <pc:sldMk cId="784324362" sldId="322"/>
@@ -6038,8 +6042,8 @@
           <pc:sldMk cId="2752379900" sldId="323"/>
         </pc:sldMkLst>
       </pc:sldChg>
-      <pc:sldChg chg="addSp delSp modSp add mod">
-        <pc:chgData name="Li Lixiang" userId="6104bbfcb56aea79" providerId="LiveId" clId="{F174B022-5B7F-4BF5-AAE0-22EF4B818302}" dt="2021-09-12T06:39:38.322" v="2059" actId="14100"/>
+      <pc:sldChg chg="addSp delSp modSp add mod ord">
+        <pc:chgData name="Li Lixiang" userId="6104bbfcb56aea79" providerId="LiveId" clId="{F174B022-5B7F-4BF5-AAE0-22EF4B818302}" dt="2021-11-16T10:08:12.558" v="3537" actId="11529"/>
         <pc:sldMkLst>
           <pc:docMk/>
           <pc:sldMk cId="1444712406" sldId="324"/>
@@ -6053,13 +6057,29 @@
           </ac:spMkLst>
         </pc:spChg>
         <pc:spChg chg="add mod">
-          <ac:chgData name="Li Lixiang" userId="6104bbfcb56aea79" providerId="LiveId" clId="{F174B022-5B7F-4BF5-AAE0-22EF4B818302}" dt="2021-09-12T06:39:38.322" v="2059" actId="14100"/>
+          <ac:chgData name="Li Lixiang" userId="6104bbfcb56aea79" providerId="LiveId" clId="{F174B022-5B7F-4BF5-AAE0-22EF4B818302}" dt="2021-11-16T10:08:02.699" v="3536" actId="1076"/>
           <ac:spMkLst>
             <pc:docMk/>
             <pc:sldMk cId="1444712406" sldId="324"/>
             <ac:spMk id="5" creationId="{2AD447F4-8B3B-49B7-9B54-29365123FD0A}"/>
           </ac:spMkLst>
         </pc:spChg>
+        <pc:spChg chg="add mod">
+          <ac:chgData name="Li Lixiang" userId="6104bbfcb56aea79" providerId="LiveId" clId="{F174B022-5B7F-4BF5-AAE0-22EF4B818302}" dt="2021-11-16T10:07:52.912" v="3535"/>
+          <ac:spMkLst>
+            <pc:docMk/>
+            <pc:sldMk cId="1444712406" sldId="324"/>
+            <ac:spMk id="6" creationId="{B3FF9F6D-FD5D-47F8-A912-96C770887993}"/>
+          </ac:spMkLst>
+        </pc:spChg>
+        <pc:spChg chg="add mod">
+          <ac:chgData name="Li Lixiang" userId="6104bbfcb56aea79" providerId="LiveId" clId="{F174B022-5B7F-4BF5-AAE0-22EF4B818302}" dt="2021-11-16T10:07:52.912" v="3535"/>
+          <ac:spMkLst>
+            <pc:docMk/>
+            <pc:sldMk cId="1444712406" sldId="324"/>
+            <ac:spMk id="7" creationId="{E3B32AD9-52D2-415E-BE4B-01AF51ED9008}"/>
+          </ac:spMkLst>
+        </pc:spChg>
         <pc:spChg chg="del">
           <ac:chgData name="Li Lixiang" userId="6104bbfcb56aea79" providerId="LiveId" clId="{F174B022-5B7F-4BF5-AAE0-22EF4B818302}" dt="2021-09-12T06:38:47.473" v="2054" actId="478"/>
           <ac:spMkLst>
@@ -6069,7 +6089,7 @@
           </ac:spMkLst>
         </pc:spChg>
         <pc:picChg chg="add mod">
-          <ac:chgData name="Li Lixiang" userId="6104bbfcb56aea79" providerId="LiveId" clId="{F174B022-5B7F-4BF5-AAE0-22EF4B818302}" dt="2021-09-12T06:39:11.397" v="2056" actId="1076"/>
+          <ac:chgData name="Li Lixiang" userId="6104bbfcb56aea79" providerId="LiveId" clId="{F174B022-5B7F-4BF5-AAE0-22EF4B818302}" dt="2021-11-16T10:08:02.699" v="3536" actId="1076"/>
           <ac:picMkLst>
             <pc:docMk/>
             <pc:sldMk cId="1444712406" sldId="324"/>
@@ -6084,6 +6104,14 @@
             <ac:picMk id="9" creationId="{996E71C5-6FCE-443F-A069-508D976D678C}"/>
           </ac:picMkLst>
         </pc:picChg>
+        <pc:cxnChg chg="add">
+          <ac:chgData name="Li Lixiang" userId="6104bbfcb56aea79" providerId="LiveId" clId="{F174B022-5B7F-4BF5-AAE0-22EF4B818302}" dt="2021-11-16T10:08:12.558" v="3537" actId="11529"/>
+          <ac:cxnSpMkLst>
+            <pc:docMk/>
+            <pc:sldMk cId="1444712406" sldId="324"/>
+            <ac:cxnSpMk id="8" creationId="{86026003-8254-4341-9027-3715142B6F90}"/>
+          </ac:cxnSpMkLst>
+        </pc:cxnChg>
       </pc:sldChg>
       <pc:sldChg chg="new del">
         <pc:chgData name="Li Lixiang" userId="6104bbfcb56aea79" providerId="LiveId" clId="{F174B022-5B7F-4BF5-AAE0-22EF4B818302}" dt="2021-09-12T06:38:21.456" v="2038" actId="680"/>
@@ -6100,7 +6128,7 @@
         </pc:sldMkLst>
       </pc:sldChg>
       <pc:sldChg chg="modSp new mod">
-        <pc:chgData name="Li Lixiang" userId="6104bbfcb56aea79" providerId="LiveId" clId="{F174B022-5B7F-4BF5-AAE0-22EF4B818302}" dt="2021-09-12T07:30:20.949" v="2788" actId="27636"/>
+        <pc:chgData name="Li Lixiang" userId="6104bbfcb56aea79" providerId="LiveId" clId="{F174B022-5B7F-4BF5-AAE0-22EF4B818302}" dt="2021-11-15T05:50:36.210" v="3532" actId="113"/>
         <pc:sldMkLst>
           <pc:docMk/>
           <pc:sldMk cId="2093418223" sldId="325"/>
@@ -6114,10 +6142,165 @@
           </ac:spMkLst>
         </pc:spChg>
         <pc:spChg chg="mod">
-          <ac:chgData name="Li Lixiang" userId="6104bbfcb56aea79" providerId="LiveId" clId="{F174B022-5B7F-4BF5-AAE0-22EF4B818302}" dt="2021-09-12T07:30:20.949" v="2788" actId="27636"/>
+          <ac:chgData name="Li Lixiang" userId="6104bbfcb56aea79" providerId="LiveId" clId="{F174B022-5B7F-4BF5-AAE0-22EF4B818302}" dt="2021-11-15T05:50:36.210" v="3532" actId="113"/>
           <ac:spMkLst>
             <pc:docMk/>
             <pc:sldMk cId="2093418223" sldId="325"/>
+            <ac:spMk id="3" creationId="{65C7CE3D-10B2-40F5-83C1-B3E8B843D0D2}"/>
+          </ac:spMkLst>
+        </pc:spChg>
+      </pc:sldChg>
+      <pc:sldChg chg="addSp delSp modSp new del mod">
+        <pc:chgData name="Li Lixiang" userId="6104bbfcb56aea79" providerId="LiveId" clId="{F174B022-5B7F-4BF5-AAE0-22EF4B818302}" dt="2021-11-09T03:07:13.172" v="3259" actId="47"/>
+        <pc:sldMkLst>
+          <pc:docMk/>
+          <pc:sldMk cId="1548508911" sldId="326"/>
+        </pc:sldMkLst>
+        <pc:spChg chg="mod">
+          <ac:chgData name="Li Lixiang" userId="6104bbfcb56aea79" providerId="LiveId" clId="{F174B022-5B7F-4BF5-AAE0-22EF4B818302}" dt="2021-11-09T02:54:24.929" v="2913" actId="20577"/>
+          <ac:spMkLst>
+            <pc:docMk/>
+            <pc:sldMk cId="1548508911" sldId="326"/>
+            <ac:spMk id="2" creationId="{C780DF63-0246-4AAE-8D62-ED2AB2024DBB}"/>
+          </ac:spMkLst>
+        </pc:spChg>
+        <pc:spChg chg="mod">
+          <ac:chgData name="Li Lixiang" userId="6104bbfcb56aea79" providerId="LiveId" clId="{F174B022-5B7F-4BF5-AAE0-22EF4B818302}" dt="2021-11-09T02:59:22.537" v="3171" actId="14100"/>
+          <ac:spMkLst>
+            <pc:docMk/>
+            <pc:sldMk cId="1548508911" sldId="326"/>
+            <ac:spMk id="3" creationId="{DB756662-EB5F-4086-97B0-DF6C10D335EE}"/>
+          </ac:spMkLst>
+        </pc:spChg>
+        <pc:spChg chg="add del">
+          <ac:chgData name="Li Lixiang" userId="6104bbfcb56aea79" providerId="LiveId" clId="{F174B022-5B7F-4BF5-AAE0-22EF4B818302}" dt="2021-11-09T02:56:28.324" v="3058" actId="22"/>
+          <ac:spMkLst>
+            <pc:docMk/>
+            <pc:sldMk cId="1548508911" sldId="326"/>
+            <ac:spMk id="5" creationId="{E7CDAA9A-D119-4D99-9223-021D639AE3EC}"/>
+          </ac:spMkLst>
+        </pc:spChg>
+        <pc:picChg chg="add mod">
+          <ac:chgData name="Li Lixiang" userId="6104bbfcb56aea79" providerId="LiveId" clId="{F174B022-5B7F-4BF5-AAE0-22EF4B818302}" dt="2021-11-09T02:56:52.235" v="3068" actId="1076"/>
+          <ac:picMkLst>
+            <pc:docMk/>
+            <pc:sldMk cId="1548508911" sldId="326"/>
+            <ac:picMk id="7" creationId="{E3B51F81-D411-45D2-97EF-E9FDE10E4A79}"/>
+          </ac:picMkLst>
+        </pc:picChg>
+      </pc:sldChg>
+      <pc:sldChg chg="addSp modSp new mod">
+        <pc:chgData name="Li Lixiang" userId="6104bbfcb56aea79" providerId="LiveId" clId="{F174B022-5B7F-4BF5-AAE0-22EF4B818302}" dt="2021-11-16T10:30:08.376" v="3599" actId="14100"/>
+        <pc:sldMkLst>
+          <pc:docMk/>
+          <pc:sldMk cId="1869230240" sldId="326"/>
+        </pc:sldMkLst>
+        <pc:spChg chg="mod">
+          <ac:chgData name="Li Lixiang" userId="6104bbfcb56aea79" providerId="LiveId" clId="{F174B022-5B7F-4BF5-AAE0-22EF4B818302}" dt="2021-11-16T10:27:32.914" v="3563" actId="20577"/>
+          <ac:spMkLst>
+            <pc:docMk/>
+            <pc:sldMk cId="1869230240" sldId="326"/>
+            <ac:spMk id="2" creationId="{8920B769-EAE1-4C03-8CCF-EE758DDAF0F8}"/>
+          </ac:spMkLst>
+        </pc:spChg>
+        <pc:spChg chg="mod">
+          <ac:chgData name="Li Lixiang" userId="6104bbfcb56aea79" providerId="LiveId" clId="{F174B022-5B7F-4BF5-AAE0-22EF4B818302}" dt="2021-11-16T10:30:08.376" v="3599" actId="14100"/>
+          <ac:spMkLst>
+            <pc:docMk/>
+            <pc:sldMk cId="1869230240" sldId="326"/>
+            <ac:spMk id="3" creationId="{97102E98-1014-4536-9291-87BEA970F291}"/>
+          </ac:spMkLst>
+        </pc:spChg>
+        <pc:picChg chg="add mod">
+          <ac:chgData name="Li Lixiang" userId="6104bbfcb56aea79" providerId="LiveId" clId="{F174B022-5B7F-4BF5-AAE0-22EF4B818302}" dt="2021-11-16T10:29:55.420" v="3565" actId="1076"/>
+          <ac:picMkLst>
+            <pc:docMk/>
+            <pc:sldMk cId="1869230240" sldId="326"/>
+            <ac:picMk id="5" creationId="{4DA0D7FC-4765-46DF-8211-D285C187A671}"/>
+          </ac:picMkLst>
+        </pc:picChg>
+      </pc:sldChg>
+      <pc:sldChg chg="addSp modSp new mod">
+        <pc:chgData name="Li Lixiang" userId="6104bbfcb56aea79" providerId="LiveId" clId="{F174B022-5B7F-4BF5-AAE0-22EF4B818302}" dt="2021-11-16T10:33:16.563" v="3686" actId="1076"/>
+        <pc:sldMkLst>
+          <pc:docMk/>
+          <pc:sldMk cId="3210760856" sldId="327"/>
+        </pc:sldMkLst>
+        <pc:spChg chg="mod">
+          <ac:chgData name="Li Lixiang" userId="6104bbfcb56aea79" providerId="LiveId" clId="{F174B022-5B7F-4BF5-AAE0-22EF4B818302}" dt="2021-11-16T10:33:12.862" v="3685" actId="20577"/>
+          <ac:spMkLst>
+            <pc:docMk/>
+            <pc:sldMk cId="3210760856" sldId="327"/>
+            <ac:spMk id="2" creationId="{D5821041-814F-4CE6-B1AF-A99B3169A5E7}"/>
+          </ac:spMkLst>
+        </pc:spChg>
+        <pc:spChg chg="mod">
+          <ac:chgData name="Li Lixiang" userId="6104bbfcb56aea79" providerId="LiveId" clId="{F174B022-5B7F-4BF5-AAE0-22EF4B818302}" dt="2021-11-16T10:33:04.586" v="3652" actId="20577"/>
+          <ac:spMkLst>
+            <pc:docMk/>
+            <pc:sldMk cId="3210760856" sldId="327"/>
+            <ac:spMk id="3" creationId="{A1553141-DF20-4DE2-9E97-79F3D9AB6EAF}"/>
+          </ac:spMkLst>
+        </pc:spChg>
+        <pc:picChg chg="add mod">
+          <ac:chgData name="Li Lixiang" userId="6104bbfcb56aea79" providerId="LiveId" clId="{F174B022-5B7F-4BF5-AAE0-22EF4B818302}" dt="2021-11-16T10:33:16.563" v="3686" actId="1076"/>
+          <ac:picMkLst>
+            <pc:docMk/>
+            <pc:sldMk cId="3210760856" sldId="327"/>
+            <ac:picMk id="5" creationId="{0FEB3895-6376-4CE2-8C04-98CB231328E9}"/>
+          </ac:picMkLst>
+        </pc:picChg>
+      </pc:sldChg>
+      <pc:sldChg chg="addSp delSp modSp new mod">
+        <pc:chgData name="Li Lixiang" userId="6104bbfcb56aea79" providerId="LiveId" clId="{F174B022-5B7F-4BF5-AAE0-22EF4B818302}" dt="2021-11-16T10:34:10.864" v="3739" actId="1076"/>
+        <pc:sldMkLst>
+          <pc:docMk/>
+          <pc:sldMk cId="2645431693" sldId="328"/>
+        </pc:sldMkLst>
+        <pc:spChg chg="mod">
+          <ac:chgData name="Li Lixiang" userId="6104bbfcb56aea79" providerId="LiveId" clId="{F174B022-5B7F-4BF5-AAE0-22EF4B818302}" dt="2021-11-16T10:33:35.982" v="3736" actId="20577"/>
+          <ac:spMkLst>
+            <pc:docMk/>
+            <pc:sldMk cId="2645431693" sldId="328"/>
+            <ac:spMk id="2" creationId="{EC16E074-6294-498B-A299-41D2904F8BF3}"/>
+          </ac:spMkLst>
+        </pc:spChg>
+        <pc:spChg chg="del">
+          <ac:chgData name="Li Lixiang" userId="6104bbfcb56aea79" providerId="LiveId" clId="{F174B022-5B7F-4BF5-AAE0-22EF4B818302}" dt="2021-11-16T10:33:38.810" v="3737" actId="478"/>
+          <ac:spMkLst>
+            <pc:docMk/>
+            <pc:sldMk cId="2645431693" sldId="328"/>
+            <ac:spMk id="3" creationId="{6316B2BE-8498-48D8-822E-128DC75A4BF3}"/>
+          </ac:spMkLst>
+        </pc:spChg>
+        <pc:picChg chg="add mod">
+          <ac:chgData name="Li Lixiang" userId="6104bbfcb56aea79" providerId="LiveId" clId="{F174B022-5B7F-4BF5-AAE0-22EF4B818302}" dt="2021-11-16T10:34:10.864" v="3739" actId="1076"/>
+          <ac:picMkLst>
+            <pc:docMk/>
+            <pc:sldMk cId="2645431693" sldId="328"/>
+            <ac:picMk id="5" creationId="{0B43215A-C036-4456-A9A0-2559BE603AAA}"/>
+          </ac:picMkLst>
+        </pc:picChg>
+      </pc:sldChg>
+      <pc:sldChg chg="modSp add mod ord">
+        <pc:chgData name="Li Lixiang" userId="6104bbfcb56aea79" providerId="LiveId" clId="{F174B022-5B7F-4BF5-AAE0-22EF4B818302}" dt="2021-11-16T10:36:45.096" v="3996" actId="20577"/>
+        <pc:sldMkLst>
+          <pc:docMk/>
+          <pc:sldMk cId="3035321292" sldId="329"/>
+        </pc:sldMkLst>
+        <pc:spChg chg="mod">
+          <ac:chgData name="Li Lixiang" userId="6104bbfcb56aea79" providerId="LiveId" clId="{F174B022-5B7F-4BF5-AAE0-22EF4B818302}" dt="2021-11-16T10:35:46.669" v="3771" actId="20577"/>
+          <ac:spMkLst>
+            <pc:docMk/>
+            <pc:sldMk cId="3035321292" sldId="329"/>
+            <ac:spMk id="2" creationId="{25A2AD55-4DE0-4463-AEEE-7FD9D8D37672}"/>
+          </ac:spMkLst>
+        </pc:spChg>
+        <pc:spChg chg="mod">
+          <ac:chgData name="Li Lixiang" userId="6104bbfcb56aea79" providerId="LiveId" clId="{F174B022-5B7F-4BF5-AAE0-22EF4B818302}" dt="2021-11-16T10:36:45.096" v="3996" actId="20577"/>
+          <ac:spMkLst>
+            <pc:docMk/>
+            <pc:sldMk cId="3035321292" sldId="329"/>
             <ac:spMk id="3" creationId="{65C7CE3D-10B2-40F5-83C1-B3E8B843D0D2}"/>
           </ac:spMkLst>
         </pc:spChg>
@@ -7301,7 +7484,7 @@
             <a:fld id="{A5B0A250-5CC0-1746-B209-08E8B0DAE6AF}" type="datetimeFigureOut">
               <a:rPr lang="en-US" smtClean="0"/>
               <a:pPr algn="l"/>
-              <a:t>9/12/2021</a:t>
+              <a:t>11/16/2021</a:t>
             </a:fld>
             <a:endParaRPr lang="en-US" dirty="0"/>
           </a:p>
@@ -7480,7 +7663,7 @@
           <a:p>
             <a:fld id="{A5B0A250-5CC0-1746-B209-08E8B0DAE6AF}" type="datetimeFigureOut">
               <a:rPr lang="en-US" smtClean="0"/>
-              <a:t>9/12/2021</a:t>
+              <a:t>11/16/2021</a:t>
             </a:fld>
             <a:endParaRPr lang="en-US" dirty="0"/>
           </a:p>
@@ -7660,7 +7843,7 @@
           <a:p>
             <a:fld id="{A5B0A250-5CC0-1746-B209-08E8B0DAE6AF}" type="datetimeFigureOut">
               <a:rPr lang="en-US" smtClean="0"/>
-              <a:t>9/12/2021</a:t>
+              <a:t>11/16/2021</a:t>
             </a:fld>
             <a:endParaRPr lang="en-US"/>
           </a:p>
@@ -7830,7 +8013,7 @@
           <a:p>
             <a:fld id="{A5B0A250-5CC0-1746-B209-08E8B0DAE6AF}" type="datetimeFigureOut">
               <a:rPr lang="en-US" smtClean="0"/>
-              <a:t>9/12/2021</a:t>
+              <a:t>11/16/2021</a:t>
             </a:fld>
             <a:endParaRPr lang="en-US" dirty="0"/>
           </a:p>
@@ -8143,7 +8326,7 @@
           <a:p>
             <a:fld id="{A5B0A250-5CC0-1746-B209-08E8B0DAE6AF}" type="datetimeFigureOut">
               <a:rPr lang="en-US" smtClean="0"/>
-              <a:t>9/12/2021</a:t>
+              <a:t>11/16/2021</a:t>
             </a:fld>
             <a:endParaRPr lang="en-US" dirty="0"/>
           </a:p>
@@ -8529,7 +8712,7 @@
           <a:p>
             <a:fld id="{A5B0A250-5CC0-1746-B209-08E8B0DAE6AF}" type="datetimeFigureOut">
               <a:rPr lang="en-US" smtClean="0"/>
-              <a:t>9/12/2021</a:t>
+              <a:t>11/16/2021</a:t>
             </a:fld>
             <a:endParaRPr lang="en-US" dirty="0"/>
           </a:p>
@@ -8963,7 +9146,7 @@
           <a:p>
             <a:fld id="{A5B0A250-5CC0-1746-B209-08E8B0DAE6AF}" type="datetimeFigureOut">
               <a:rPr lang="en-US" smtClean="0"/>
-              <a:t>9/12/2021</a:t>
+              <a:t>11/16/2021</a:t>
             </a:fld>
             <a:endParaRPr lang="en-US" dirty="0"/>
           </a:p>
@@ -9081,7 +9264,7 @@
           <a:p>
             <a:fld id="{A5B0A250-5CC0-1746-B209-08E8B0DAE6AF}" type="datetimeFigureOut">
               <a:rPr lang="en-US" smtClean="0"/>
-              <a:t>9/12/2021</a:t>
+              <a:t>11/16/2021</a:t>
             </a:fld>
             <a:endParaRPr lang="en-US" dirty="0"/>
           </a:p>
@@ -9177,7 +9360,7 @@
             <a:fld id="{A5B0A250-5CC0-1746-B209-08E8B0DAE6AF}" type="datetimeFigureOut">
               <a:rPr lang="en-US" smtClean="0"/>
               <a:pPr/>
-              <a:t>9/12/2021</a:t>
+              <a:t>11/16/2021</a:t>
             </a:fld>
             <a:endParaRPr lang="en-US" dirty="0"/>
           </a:p>
@@ -9528,7 +9711,7 @@
           <a:p>
             <a:fld id="{A5B0A250-5CC0-1746-B209-08E8B0DAE6AF}" type="datetimeFigureOut">
               <a:rPr lang="en-US" smtClean="0"/>
-              <a:t>9/12/2021</a:t>
+              <a:t>11/16/2021</a:t>
             </a:fld>
             <a:endParaRPr lang="en-US" dirty="0"/>
           </a:p>
@@ -9953,7 +10136,7 @@
           <a:p>
             <a:fld id="{A5B0A250-5CC0-1746-B209-08E8B0DAE6AF}" type="datetimeFigureOut">
               <a:rPr lang="en-US" smtClean="0"/>
-              <a:t>9/12/2021</a:t>
+              <a:t>11/16/2021</a:t>
             </a:fld>
             <a:endParaRPr lang="en-US" dirty="0"/>
           </a:p>
@@ -10235,7 +10418,7 @@
             <a:fld id="{A5B0A250-5CC0-1746-B209-08E8B0DAE6AF}" type="datetimeFigureOut">
               <a:rPr lang="en-US" smtClean="0"/>
               <a:pPr/>
-              <a:t>9/12/2021</a:t>
+              <a:t>11/16/2021</a:t>
             </a:fld>
             <a:endParaRPr lang="en-US" dirty="0"/>
           </a:p>
@@ -10953,13 +11136,8 @@
           <a:p>
             <a:r>
               <a:rPr lang="en-MY" dirty="0"/>
-              <a:t>  --use login/logout for question answering. Add </a:t>
-            </a:r>
-            <a:r>
-              <a:rPr lang="en-MY" dirty="0" err="1"/>
-              <a:t>singup</a:t>
-            </a:r>
-            <a:endParaRPr lang="en-MY" dirty="0"/>
+              <a:t>  --use login/logout for question answering. Add signup</a:t>
+            </a:r>
           </a:p>
         </p:txBody>
       </p:sp>
@@ -11357,7 +11535,7 @@
           <p:cNvPr id="2" name="Title 1">
             <a:extLst>
               <a:ext uri="{FF2B5EF4-FFF2-40B4-BE49-F238E27FC236}">
-                <a16:creationId xmlns:a16="http://schemas.microsoft.com/office/drawing/2014/main" id="{57D99CE0-9E74-46E3-A1E8-0834125FCC5A}"/>
+                <a16:creationId xmlns:a16="http://schemas.microsoft.com/office/drawing/2014/main" id="{5EE8EF30-CDF7-4D40-BBC3-A016F1581E91}"/>
               </a:ext>
             </a:extLst>
           </p:cNvPr>
@@ -11368,14 +11546,21 @@
             <p:ph type="title"/>
           </p:nvPr>
         </p:nvSpPr>
-        <p:spPr/>
+        <p:spPr>
+          <a:xfrm>
+            <a:off x="1069848" y="484632"/>
+            <a:ext cx="10444490" cy="1609344"/>
+          </a:xfrm>
+        </p:spPr>
         <p:txBody>
-          <a:bodyPr/>
+          <a:bodyPr>
+            <a:normAutofit/>
+          </a:bodyPr>
           <a:lstStyle/>
           <a:p>
             <a:r>
               <a:rPr lang="en-US" dirty="0"/>
-              <a:t>Chang the voting template to use the form defined</a:t>
+              <a:t>Changed home page link for start answering</a:t>
             </a:r>
             <a:endParaRPr lang="en-MY" dirty="0"/>
           </a:p>
@@ -11383,10 +11568,10 @@
       </p:sp>
       <p:pic>
         <p:nvPicPr>
-          <p:cNvPr id="5" name="Picture 4">
+          <p:cNvPr id="6" name="Picture 5">
             <a:extLst>
               <a:ext uri="{FF2B5EF4-FFF2-40B4-BE49-F238E27FC236}">
-                <a16:creationId xmlns:a16="http://schemas.microsoft.com/office/drawing/2014/main" id="{4F6FEC8A-3638-43A8-89E4-F4CCE3D17680}"/>
+                <a16:creationId xmlns:a16="http://schemas.microsoft.com/office/drawing/2014/main" id="{15A8935B-0CAF-4DBE-939B-689479F4FC22}"/>
               </a:ext>
             </a:extLst>
           </p:cNvPr>
@@ -11403,65 +11588,18 @@
         </p:blipFill>
         <p:spPr>
           <a:xfrm>
-            <a:off x="2605784" y="2975908"/>
-            <a:ext cx="4601217" cy="2095792"/>
+            <a:off x="2210663" y="3002056"/>
+            <a:ext cx="5515745" cy="1066949"/>
           </a:xfrm>
           <a:prstGeom prst="rect">
             <a:avLst/>
           </a:prstGeom>
         </p:spPr>
       </p:pic>
-      <p:sp>
-        <p:nvSpPr>
-          <p:cNvPr id="6" name="Rectangle 5">
-            <a:extLst>
-              <a:ext uri="{FF2B5EF4-FFF2-40B4-BE49-F238E27FC236}">
-                <a16:creationId xmlns:a16="http://schemas.microsoft.com/office/drawing/2014/main" id="{66712501-165B-4044-B233-067E05B81582}"/>
-              </a:ext>
-            </a:extLst>
-          </p:cNvPr>
-          <p:cNvSpPr/>
-          <p:nvPr/>
-        </p:nvSpPr>
-        <p:spPr>
-          <a:xfrm>
-            <a:off x="3266983" y="4101483"/>
-            <a:ext cx="1597980" cy="239698"/>
-          </a:xfrm>
-          <a:prstGeom prst="rect">
-            <a:avLst/>
-          </a:prstGeom>
-          <a:noFill/>
-        </p:spPr>
-        <p:style>
-          <a:lnRef idx="2">
-            <a:schemeClr val="accent1">
-              <a:shade val="50000"/>
-            </a:schemeClr>
-          </a:lnRef>
-          <a:fillRef idx="1">
-            <a:schemeClr val="accent1"/>
-          </a:fillRef>
-          <a:effectRef idx="0">
-            <a:schemeClr val="accent1"/>
-          </a:effectRef>
-          <a:fontRef idx="minor">
-            <a:schemeClr val="lt1"/>
-          </a:fontRef>
-        </p:style>
-        <p:txBody>
-          <a:bodyPr rtlCol="0" anchor="ctr"/>
-          <a:lstStyle/>
-          <a:p>
-            <a:pPr algn="ctr"/>
-            <a:endParaRPr lang="en-MY"/>
-          </a:p>
-        </p:txBody>
-      </p:sp>
     </p:spTree>
     <p:extLst>
       <p:ext uri="{BB962C8B-B14F-4D97-AF65-F5344CB8AC3E}">
-        <p14:creationId xmlns:p14="http://schemas.microsoft.com/office/powerpoint/2010/main" val="1533669081"/>
+        <p14:creationId xmlns:p14="http://schemas.microsoft.com/office/powerpoint/2010/main" val="4222901175"/>
       </p:ext>
     </p:extLst>
   </p:cSld>
@@ -11536,7 +11674,7 @@
         <p:spPr>
           <a:xfrm>
             <a:off x="1069848" y="2121408"/>
-            <a:ext cx="10058400" cy="799345"/>
+            <a:ext cx="10058400" cy="1307592"/>
           </a:xfrm>
         </p:spPr>
         <p:txBody>
@@ -11547,7 +11685,17 @@
               <a:rPr lang="en-US" dirty="0"/>
               <a:t>Try test your new added code with the development server</a:t>
             </a:r>
-            <a:endParaRPr lang="en-MY" dirty="0"/>
+            <a:r>
+              <a:rPr lang="en-MY" dirty="0"/>
+              <a:t>. </a:t>
+            </a:r>
+          </a:p>
+          <a:p>
+            <a:r>
+              <a:rPr lang="en-MY" dirty="0"/>
+              <a:t>Or add test case and use Django test frame to test.</a:t>
+            </a:r>
+            <a:endParaRPr lang="en-US" dirty="0"/>
           </a:p>
         </p:txBody>
       </p:sp>
@@ -11702,401 +11850,6 @@
           <p:cNvPr id="2" name="Title 1">
             <a:extLst>
               <a:ext uri="{FF2B5EF4-FFF2-40B4-BE49-F238E27FC236}">
-                <a16:creationId xmlns:a16="http://schemas.microsoft.com/office/drawing/2014/main" id="{EB465B98-2FC4-4C97-B122-B430860E1C75}"/>
-              </a:ext>
-            </a:extLst>
-          </p:cNvPr>
-          <p:cNvSpPr>
-            <a:spLocks noGrp="1"/>
-          </p:cNvSpPr>
-          <p:nvPr>
-            <p:ph type="title"/>
-          </p:nvPr>
-        </p:nvSpPr>
-        <p:spPr/>
-        <p:txBody>
-          <a:bodyPr/>
-          <a:lstStyle/>
-          <a:p>
-            <a:r>
-              <a:rPr lang="en-US" dirty="0"/>
-              <a:t>Add a view for the new signup</a:t>
-            </a:r>
-            <a:endParaRPr lang="en-MY" dirty="0"/>
-          </a:p>
-        </p:txBody>
-      </p:sp>
-      <p:sp>
-        <p:nvSpPr>
-          <p:cNvPr id="3" name="Content Placeholder 2">
-            <a:extLst>
-              <a:ext uri="{FF2B5EF4-FFF2-40B4-BE49-F238E27FC236}">
-                <a16:creationId xmlns:a16="http://schemas.microsoft.com/office/drawing/2014/main" id="{D625420F-A618-4FB4-8E6E-45B44030AEA8}"/>
-              </a:ext>
-            </a:extLst>
-          </p:cNvPr>
-          <p:cNvSpPr>
-            <a:spLocks noGrp="1"/>
-          </p:cNvSpPr>
-          <p:nvPr>
-            <p:ph idx="1"/>
-          </p:nvPr>
-        </p:nvSpPr>
-        <p:spPr>
-          <a:xfrm>
-            <a:off x="1069848" y="2121408"/>
-            <a:ext cx="10058400" cy="2642617"/>
-          </a:xfrm>
-        </p:spPr>
-        <p:txBody>
-          <a:bodyPr>
-            <a:normAutofit/>
-          </a:bodyPr>
-          <a:lstStyle/>
-          <a:p>
-            <a:r>
-              <a:rPr lang="en-US" dirty="0"/>
-              <a:t>New </a:t>
-            </a:r>
-            <a:r>
-              <a:rPr lang="en-US" dirty="0" err="1"/>
-              <a:t>singup</a:t>
-            </a:r>
-            <a:r>
-              <a:rPr lang="en-US" dirty="0"/>
-              <a:t> view class</a:t>
-            </a:r>
-          </a:p>
-          <a:p>
-            <a:endParaRPr lang="en-US" dirty="0"/>
-          </a:p>
-        </p:txBody>
-      </p:sp>
-      <p:pic>
-        <p:nvPicPr>
-          <p:cNvPr id="5" name="Picture 4">
-            <a:extLst>
-              <a:ext uri="{FF2B5EF4-FFF2-40B4-BE49-F238E27FC236}">
-                <a16:creationId xmlns:a16="http://schemas.microsoft.com/office/drawing/2014/main" id="{1E8DCC86-8DEC-46E5-A735-553CCF7559C2}"/>
-              </a:ext>
-            </a:extLst>
-          </p:cNvPr>
-          <p:cNvPicPr>
-            <a:picLocks noChangeAspect="1"/>
-          </p:cNvPicPr>
-          <p:nvPr/>
-        </p:nvPicPr>
-        <p:blipFill>
-          <a:blip r:embed="rId2"/>
-          <a:stretch>
-            <a:fillRect/>
-          </a:stretch>
-        </p:blipFill>
-        <p:spPr>
-          <a:xfrm>
-            <a:off x="3532489" y="2654957"/>
-            <a:ext cx="3848637" cy="962159"/>
-          </a:xfrm>
-          <a:prstGeom prst="rect">
-            <a:avLst/>
-          </a:prstGeom>
-        </p:spPr>
-      </p:pic>
-    </p:spTree>
-    <p:extLst>
-      <p:ext uri="{BB962C8B-B14F-4D97-AF65-F5344CB8AC3E}">
-        <p14:creationId xmlns:p14="http://schemas.microsoft.com/office/powerpoint/2010/main" val="2298238761"/>
-      </p:ext>
-    </p:extLst>
-  </p:cSld>
-  <p:clrMapOvr>
-    <a:masterClrMapping/>
-  </p:clrMapOvr>
-</p:sld>
-</file>
-
-<file path=ppt/slides/slide14.xml><?xml version="1.0" encoding="utf-8"?>
-<p:sld xmlns:a="http://schemas.openxmlformats.org/drawingml/2006/main" xmlns:r="http://schemas.openxmlformats.org/officeDocument/2006/relationships" xmlns:p="http://schemas.openxmlformats.org/presentationml/2006/main">
-  <p:cSld>
-    <p:spTree>
-      <p:nvGrpSpPr>
-        <p:cNvPr id="1" name=""/>
-        <p:cNvGrpSpPr/>
-        <p:nvPr/>
-      </p:nvGrpSpPr>
-      <p:grpSpPr>
-        <a:xfrm>
-          <a:off x="0" y="0"/>
-          <a:ext cx="0" cy="0"/>
-          <a:chOff x="0" y="0"/>
-          <a:chExt cx="0" cy="0"/>
-        </a:xfrm>
-      </p:grpSpPr>
-      <p:sp>
-        <p:nvSpPr>
-          <p:cNvPr id="2" name="Title 1">
-            <a:extLst>
-              <a:ext uri="{FF2B5EF4-FFF2-40B4-BE49-F238E27FC236}">
-                <a16:creationId xmlns:a16="http://schemas.microsoft.com/office/drawing/2014/main" id="{EB465B98-2FC4-4C97-B122-B430860E1C75}"/>
-              </a:ext>
-            </a:extLst>
-          </p:cNvPr>
-          <p:cNvSpPr>
-            <a:spLocks noGrp="1"/>
-          </p:cNvSpPr>
-          <p:nvPr>
-            <p:ph type="title"/>
-          </p:nvPr>
-        </p:nvSpPr>
-        <p:spPr/>
-        <p:txBody>
-          <a:bodyPr/>
-          <a:lstStyle/>
-          <a:p>
-            <a:r>
-              <a:rPr lang="en-US" dirty="0"/>
-              <a:t>Create template for signup</a:t>
-            </a:r>
-            <a:endParaRPr lang="en-MY" dirty="0"/>
-          </a:p>
-        </p:txBody>
-      </p:sp>
-      <p:sp>
-        <p:nvSpPr>
-          <p:cNvPr id="3" name="Content Placeholder 2">
-            <a:extLst>
-              <a:ext uri="{FF2B5EF4-FFF2-40B4-BE49-F238E27FC236}">
-                <a16:creationId xmlns:a16="http://schemas.microsoft.com/office/drawing/2014/main" id="{D625420F-A618-4FB4-8E6E-45B44030AEA8}"/>
-              </a:ext>
-            </a:extLst>
-          </p:cNvPr>
-          <p:cNvSpPr>
-            <a:spLocks noGrp="1"/>
-          </p:cNvSpPr>
-          <p:nvPr>
-            <p:ph idx="1"/>
-          </p:nvPr>
-        </p:nvSpPr>
-        <p:spPr>
-          <a:xfrm>
-            <a:off x="1069848" y="2121409"/>
-            <a:ext cx="10058400" cy="1307592"/>
-          </a:xfrm>
-        </p:spPr>
-        <p:txBody>
-          <a:bodyPr>
-            <a:normAutofit/>
-          </a:bodyPr>
-          <a:lstStyle/>
-          <a:p>
-            <a:r>
-              <a:rPr lang="en-US" dirty="0"/>
-              <a:t>User/templates/user/signup.html</a:t>
-            </a:r>
-          </a:p>
-        </p:txBody>
-      </p:sp>
-      <p:pic>
-        <p:nvPicPr>
-          <p:cNvPr id="7" name="Picture 6">
-            <a:extLst>
-              <a:ext uri="{FF2B5EF4-FFF2-40B4-BE49-F238E27FC236}">
-                <a16:creationId xmlns:a16="http://schemas.microsoft.com/office/drawing/2014/main" id="{EC9B6992-54B1-437F-8372-79987B7FBD86}"/>
-              </a:ext>
-            </a:extLst>
-          </p:cNvPr>
-          <p:cNvPicPr>
-            <a:picLocks noChangeAspect="1"/>
-          </p:cNvPicPr>
-          <p:nvPr/>
-        </p:nvPicPr>
-        <p:blipFill>
-          <a:blip r:embed="rId2"/>
-          <a:stretch>
-            <a:fillRect/>
-          </a:stretch>
-        </p:blipFill>
-        <p:spPr>
-          <a:xfrm>
-            <a:off x="2774146" y="2775205"/>
-            <a:ext cx="7087589" cy="3753374"/>
-          </a:xfrm>
-          <a:prstGeom prst="rect">
-            <a:avLst/>
-          </a:prstGeom>
-        </p:spPr>
-      </p:pic>
-    </p:spTree>
-    <p:extLst>
-      <p:ext uri="{BB962C8B-B14F-4D97-AF65-F5344CB8AC3E}">
-        <p14:creationId xmlns:p14="http://schemas.microsoft.com/office/powerpoint/2010/main" val="1438882001"/>
-      </p:ext>
-    </p:extLst>
-  </p:cSld>
-  <p:clrMapOvr>
-    <a:masterClrMapping/>
-  </p:clrMapOvr>
-</p:sld>
-</file>
-
-<file path=ppt/slides/slide15.xml><?xml version="1.0" encoding="utf-8"?>
-<p:sld xmlns:a="http://schemas.openxmlformats.org/drawingml/2006/main" xmlns:r="http://schemas.openxmlformats.org/officeDocument/2006/relationships" xmlns:p="http://schemas.openxmlformats.org/presentationml/2006/main">
-  <p:cSld>
-    <p:spTree>
-      <p:nvGrpSpPr>
-        <p:cNvPr id="1" name=""/>
-        <p:cNvGrpSpPr/>
-        <p:nvPr/>
-      </p:nvGrpSpPr>
-      <p:grpSpPr>
-        <a:xfrm>
-          <a:off x="0" y="0"/>
-          <a:ext cx="0" cy="0"/>
-          <a:chOff x="0" y="0"/>
-          <a:chExt cx="0" cy="0"/>
-        </a:xfrm>
-      </p:grpSpPr>
-      <p:sp>
-        <p:nvSpPr>
-          <p:cNvPr id="2" name="Title 1">
-            <a:extLst>
-              <a:ext uri="{FF2B5EF4-FFF2-40B4-BE49-F238E27FC236}">
-                <a16:creationId xmlns:a16="http://schemas.microsoft.com/office/drawing/2014/main" id="{657FB61E-6B36-48A4-912E-355141BD8C58}"/>
-              </a:ext>
-            </a:extLst>
-          </p:cNvPr>
-          <p:cNvSpPr>
-            <a:spLocks noGrp="1"/>
-          </p:cNvSpPr>
-          <p:nvPr>
-            <p:ph type="title"/>
-          </p:nvPr>
-        </p:nvSpPr>
-        <p:spPr/>
-        <p:txBody>
-          <a:bodyPr/>
-          <a:lstStyle/>
-          <a:p>
-            <a:r>
-              <a:rPr lang="en-US" dirty="0"/>
-              <a:t>Add signup link at homepage</a:t>
-            </a:r>
-            <a:endParaRPr lang="en-MY" dirty="0"/>
-          </a:p>
-        </p:txBody>
-      </p:sp>
-      <p:pic>
-        <p:nvPicPr>
-          <p:cNvPr id="9" name="Picture 8">
-            <a:extLst>
-              <a:ext uri="{FF2B5EF4-FFF2-40B4-BE49-F238E27FC236}">
-                <a16:creationId xmlns:a16="http://schemas.microsoft.com/office/drawing/2014/main" id="{996E71C5-6FCE-443F-A069-508D976D678C}"/>
-              </a:ext>
-            </a:extLst>
-          </p:cNvPr>
-          <p:cNvPicPr>
-            <a:picLocks noChangeAspect="1"/>
-          </p:cNvPicPr>
-          <p:nvPr/>
-        </p:nvPicPr>
-        <p:blipFill>
-          <a:blip r:embed="rId2"/>
-          <a:stretch>
-            <a:fillRect/>
-          </a:stretch>
-        </p:blipFill>
-        <p:spPr>
-          <a:xfrm>
-            <a:off x="1318546" y="2543051"/>
-            <a:ext cx="9554908" cy="1771897"/>
-          </a:xfrm>
-          <a:prstGeom prst="rect">
-            <a:avLst/>
-          </a:prstGeom>
-        </p:spPr>
-      </p:pic>
-      <p:sp>
-        <p:nvSpPr>
-          <p:cNvPr id="10" name="Rectangle 9">
-            <a:extLst>
-              <a:ext uri="{FF2B5EF4-FFF2-40B4-BE49-F238E27FC236}">
-                <a16:creationId xmlns:a16="http://schemas.microsoft.com/office/drawing/2014/main" id="{0CFC1F99-6982-4A5A-BFB3-D4715DCC7056}"/>
-              </a:ext>
-            </a:extLst>
-          </p:cNvPr>
-          <p:cNvSpPr/>
-          <p:nvPr/>
-        </p:nvSpPr>
-        <p:spPr>
-          <a:xfrm>
-            <a:off x="2095130" y="3639845"/>
-            <a:ext cx="5424256" cy="266330"/>
-          </a:xfrm>
-          <a:prstGeom prst="rect">
-            <a:avLst/>
-          </a:prstGeom>
-          <a:noFill/>
-        </p:spPr>
-        <p:style>
-          <a:lnRef idx="2">
-            <a:schemeClr val="accent1">
-              <a:shade val="50000"/>
-            </a:schemeClr>
-          </a:lnRef>
-          <a:fillRef idx="1">
-            <a:schemeClr val="accent1"/>
-          </a:fillRef>
-          <a:effectRef idx="0">
-            <a:schemeClr val="accent1"/>
-          </a:effectRef>
-          <a:fontRef idx="minor">
-            <a:schemeClr val="lt1"/>
-          </a:fontRef>
-        </p:style>
-        <p:txBody>
-          <a:bodyPr rtlCol="0" anchor="ctr"/>
-          <a:lstStyle/>
-          <a:p>
-            <a:pPr algn="ctr"/>
-            <a:endParaRPr lang="en-MY"/>
-          </a:p>
-        </p:txBody>
-      </p:sp>
-    </p:spTree>
-    <p:extLst>
-      <p:ext uri="{BB962C8B-B14F-4D97-AF65-F5344CB8AC3E}">
-        <p14:creationId xmlns:p14="http://schemas.microsoft.com/office/powerpoint/2010/main" val="4116957025"/>
-      </p:ext>
-    </p:extLst>
-  </p:cSld>
-  <p:clrMapOvr>
-    <a:masterClrMapping/>
-  </p:clrMapOvr>
-</p:sld>
-</file>
-
-<file path=ppt/slides/slide16.xml><?xml version="1.0" encoding="utf-8"?>
-<p:sld xmlns:a="http://schemas.openxmlformats.org/drawingml/2006/main" xmlns:r="http://schemas.openxmlformats.org/officeDocument/2006/relationships" xmlns:p="http://schemas.openxmlformats.org/presentationml/2006/main">
-  <p:cSld>
-    <p:spTree>
-      <p:nvGrpSpPr>
-        <p:cNvPr id="1" name=""/>
-        <p:cNvGrpSpPr/>
-        <p:nvPr/>
-      </p:nvGrpSpPr>
-      <p:grpSpPr>
-        <a:xfrm>
-          <a:off x="0" y="0"/>
-          <a:ext cx="0" cy="0"/>
-          <a:chOff x="0" y="0"/>
-          <a:chExt cx="0" cy="0"/>
-        </a:xfrm>
-      </p:grpSpPr>
-      <p:sp>
-        <p:nvSpPr>
-          <p:cNvPr id="2" name="Title 1">
-            <a:extLst>
-              <a:ext uri="{FF2B5EF4-FFF2-40B4-BE49-F238E27FC236}">
                 <a16:creationId xmlns:a16="http://schemas.microsoft.com/office/drawing/2014/main" id="{657FB61E-6B36-48A4-912E-355141BD8C58}"/>
               </a:ext>
             </a:extLst>
@@ -12151,7 +11904,7 @@
         </p:blipFill>
         <p:spPr>
           <a:xfrm>
-            <a:off x="3168135" y="2933631"/>
+            <a:off x="5547441" y="3302859"/>
             <a:ext cx="5163271" cy="990738"/>
           </a:xfrm>
           <a:prstGeom prst="rect">
@@ -12173,7 +11926,7 @@
         </p:nvSpPr>
         <p:spPr>
           <a:xfrm>
-            <a:off x="3542190" y="3160450"/>
+            <a:off x="5921496" y="3529678"/>
             <a:ext cx="4767309" cy="239975"/>
           </a:xfrm>
           <a:prstGeom prst="rect">
@@ -12206,71 +11959,12 @@
           </a:p>
         </p:txBody>
       </p:sp>
-    </p:spTree>
-    <p:extLst>
-      <p:ext uri="{BB962C8B-B14F-4D97-AF65-F5344CB8AC3E}">
-        <p14:creationId xmlns:p14="http://schemas.microsoft.com/office/powerpoint/2010/main" val="1444712406"/>
-      </p:ext>
-    </p:extLst>
-  </p:cSld>
-  <p:clrMapOvr>
-    <a:masterClrMapping/>
-  </p:clrMapOvr>
-</p:sld>
-</file>
-
-<file path=ppt/slides/slide17.xml><?xml version="1.0" encoding="utf-8"?>
-<p:sld xmlns:a="http://schemas.openxmlformats.org/drawingml/2006/main" xmlns:r="http://schemas.openxmlformats.org/officeDocument/2006/relationships" xmlns:p="http://schemas.openxmlformats.org/presentationml/2006/main">
-  <p:cSld>
-    <p:spTree>
-      <p:nvGrpSpPr>
-        <p:cNvPr id="1" name=""/>
-        <p:cNvGrpSpPr/>
-        <p:nvPr/>
-      </p:nvGrpSpPr>
-      <p:grpSpPr>
-        <a:xfrm>
-          <a:off x="0" y="0"/>
-          <a:ext cx="0" cy="0"/>
-          <a:chOff x="0" y="0"/>
-          <a:chExt cx="0" cy="0"/>
-        </a:xfrm>
-      </p:grpSpPr>
       <p:sp>
         <p:nvSpPr>
-          <p:cNvPr id="2" name="Title 1">
+          <p:cNvPr id="6" name="Content Placeholder 2">
             <a:extLst>
               <a:ext uri="{FF2B5EF4-FFF2-40B4-BE49-F238E27FC236}">
-                <a16:creationId xmlns:a16="http://schemas.microsoft.com/office/drawing/2014/main" id="{25A2AD55-4DE0-4463-AEEE-7FD9D8D37672}"/>
-              </a:ext>
-            </a:extLst>
-          </p:cNvPr>
-          <p:cNvSpPr>
-            <a:spLocks noGrp="1"/>
-          </p:cNvSpPr>
-          <p:nvPr>
-            <p:ph type="title"/>
-          </p:nvPr>
-        </p:nvSpPr>
-        <p:spPr/>
-        <p:txBody>
-          <a:bodyPr/>
-          <a:lstStyle/>
-          <a:p>
-            <a:r>
-              <a:rPr lang="en-US" dirty="0"/>
-              <a:t>Test it. And further thinking</a:t>
-            </a:r>
-            <a:endParaRPr lang="en-MY" dirty="0"/>
-          </a:p>
-        </p:txBody>
-      </p:sp>
-      <p:sp>
-        <p:nvSpPr>
-          <p:cNvPr id="3" name="Content Placeholder 2">
-            <a:extLst>
-              <a:ext uri="{FF2B5EF4-FFF2-40B4-BE49-F238E27FC236}">
-                <a16:creationId xmlns:a16="http://schemas.microsoft.com/office/drawing/2014/main" id="{65C7CE3D-10B2-40F5-83C1-B3E8B843D0D2}"/>
+                <a16:creationId xmlns:a16="http://schemas.microsoft.com/office/drawing/2014/main" id="{B3FF9F6D-FD5D-47F8-A912-96C770887993}"/>
               </a:ext>
             </a:extLst>
           </p:cNvPr>
@@ -12283,103 +11977,63 @@
         </p:nvSpPr>
         <p:spPr>
           <a:xfrm>
-            <a:off x="1069848" y="2121407"/>
-            <a:ext cx="10058400" cy="2264161"/>
+            <a:off x="1069848" y="2121408"/>
+            <a:ext cx="10058400" cy="3456432"/>
           </a:xfrm>
         </p:spPr>
         <p:txBody>
           <a:bodyPr>
-            <a:normAutofit lnSpcReduction="10000"/>
+            <a:normAutofit/>
           </a:bodyPr>
           <a:lstStyle/>
           <a:p>
             <a:r>
               <a:rPr lang="en-US" dirty="0"/>
-              <a:t>The frequently needed function we still missing password change. This Django already has a default one which we can user.</a:t>
-            </a:r>
+              <a:t>New app user</a:t>
+            </a:r>
+          </a:p>
+          <a:p>
+            <a:endParaRPr lang="en-US" dirty="0"/>
+          </a:p>
+          <a:p>
+            <a:endParaRPr lang="en-US" dirty="0"/>
           </a:p>
           <a:p>
             <a:r>
               <a:rPr lang="en-US" dirty="0"/>
-              <a:t>And also another one: password reset, allow the user recover password/reset password if he/she forget it. This at real production environment will need email service to accomplish.</a:t>
-            </a:r>
-          </a:p>
-          <a:p>
-            <a:r>
-              <a:rPr lang="en-US" dirty="0"/>
-              <a:t>To see the default password change: http://localhost:8000/accounts/password_change/</a:t>
-            </a:r>
-            <a:endParaRPr lang="en-MY" dirty="0"/>
-          </a:p>
-        </p:txBody>
-      </p:sp>
-    </p:spTree>
-    <p:extLst>
-      <p:ext uri="{BB962C8B-B14F-4D97-AF65-F5344CB8AC3E}">
-        <p14:creationId xmlns:p14="http://schemas.microsoft.com/office/powerpoint/2010/main" val="2093418223"/>
-      </p:ext>
-    </p:extLst>
-  </p:cSld>
-  <p:clrMapOvr>
-    <a:masterClrMapping/>
-  </p:clrMapOvr>
-</p:sld>
-</file>
-
-<file path=ppt/slides/slide18.xml><?xml version="1.0" encoding="utf-8"?>
-<p:sld xmlns:a="http://schemas.openxmlformats.org/drawingml/2006/main" xmlns:r="http://schemas.openxmlformats.org/officeDocument/2006/relationships" xmlns:p="http://schemas.openxmlformats.org/presentationml/2006/main">
-  <p:cSld>
-    <p:spTree>
-      <p:nvGrpSpPr>
-        <p:cNvPr id="1" name=""/>
-        <p:cNvGrpSpPr/>
-        <p:nvPr/>
-      </p:nvGrpSpPr>
-      <p:grpSpPr>
-        <a:xfrm>
-          <a:off x="0" y="0"/>
-          <a:ext cx="0" cy="0"/>
-          <a:chOff x="0" y="0"/>
-          <a:chExt cx="0" cy="0"/>
-        </a:xfrm>
-      </p:grpSpPr>
-      <p:sp>
-        <p:nvSpPr>
-          <p:cNvPr id="2" name="Title 1">
-            <a:extLst>
-              <a:ext uri="{FF2B5EF4-FFF2-40B4-BE49-F238E27FC236}">
-                <a16:creationId xmlns:a16="http://schemas.microsoft.com/office/drawing/2014/main" id="{EF2614DD-D210-414D-AC9D-76C6FE1F95A2}"/>
-              </a:ext>
-            </a:extLst>
-          </p:cNvPr>
-          <p:cNvSpPr>
-            <a:spLocks noGrp="1"/>
-          </p:cNvSpPr>
-          <p:nvPr>
-            <p:ph type="title"/>
-          </p:nvPr>
-        </p:nvSpPr>
-        <p:spPr/>
-        <p:txBody>
-          <a:bodyPr>
-            <a:normAutofit fontScale="90000"/>
-          </a:bodyPr>
-          <a:lstStyle/>
-          <a:p>
-            <a:r>
-              <a:rPr lang="en-US" dirty="0"/>
-              <a:t>Commit branch change, merge to main, Push to remote, deploy to Heroku</a:t>
-            </a:r>
-            <a:endParaRPr lang="en-MY" dirty="0"/>
+              <a:t>Add urls.py for the new app</a:t>
+            </a:r>
+          </a:p>
+          <a:p>
+            <a:endParaRPr lang="en-US" dirty="0"/>
+          </a:p>
+          <a:p>
+            <a:r>
+              <a:rPr lang="en-MY" dirty="0"/>
+              <a:t>In site </a:t>
+            </a:r>
+            <a:r>
+              <a:rPr lang="en-MY" dirty="0" err="1"/>
+              <a:t>urls</a:t>
+            </a:r>
+            <a:r>
+              <a:rPr lang="en-MY" dirty="0"/>
+              <a:t> include this app </a:t>
+            </a:r>
+            <a:r>
+              <a:rPr lang="en-MY" dirty="0" err="1"/>
+              <a:t>urls</a:t>
+            </a:r>
+            <a:endParaRPr lang="en-US" dirty="0"/>
           </a:p>
         </p:txBody>
       </p:sp>
       <p:sp>
         <p:nvSpPr>
-          <p:cNvPr id="4" name="Content Placeholder 2">
+          <p:cNvPr id="7" name="Content Placeholder 2">
             <a:extLst>
               <a:ext uri="{FF2B5EF4-FFF2-40B4-BE49-F238E27FC236}">
-                <a16:creationId xmlns:a16="http://schemas.microsoft.com/office/drawing/2014/main" id="{BA93C888-8601-4F8C-AFE5-B281603157AF}"/>
+                <a16:creationId xmlns:a16="http://schemas.microsoft.com/office/drawing/2014/main" id="{E3B32AD9-52D2-415E-BE4B-01AF51ED9008}"/>
               </a:ext>
             </a:extLst>
           </p:cNvPr>
@@ -12390,8 +12044,8 @@
         </p:nvSpPr>
         <p:spPr>
           <a:xfrm>
-            <a:off x="1619479" y="2153447"/>
-            <a:ext cx="8953042" cy="2347892"/>
+            <a:off x="3718559" y="2151888"/>
+            <a:ext cx="7280681" cy="1150971"/>
           </a:xfrm>
           <a:prstGeom prst="rect">
             <a:avLst/>
@@ -12399,7 +12053,7 @@
         </p:spPr>
         <p:txBody>
           <a:bodyPr vert="horz" lIns="91440" tIns="45720" rIns="91440" bIns="45720" rtlCol="0">
-            <a:normAutofit lnSpcReduction="10000"/>
+            <a:normAutofit/>
           </a:bodyPr>
           <a:lstStyle>
             <a:lvl1pPr marL="182880" indent="-182880" algn="l" defTabSz="914400" rtl="0" eaLnBrk="1" latinLnBrk="0" hangingPunct="1">
@@ -12652,7 +12306,1572 @@
                 <a:latin typeface="Cascadia Mono" pitchFamily="50" charset="0"/>
                 <a:cs typeface="Cascadia Mono" pitchFamily="50" charset="0"/>
               </a:rPr>
-              <a:t>PS&gt; cd 2myprj</a:t>
+              <a:t>PS&gt; </a:t>
+            </a:r>
+            <a:r>
+              <a:rPr lang="en-US" sz="1400" dirty="0" err="1">
+                <a:latin typeface="Cascadia Mono" pitchFamily="50" charset="0"/>
+                <a:cs typeface="Cascadia Mono" pitchFamily="50" charset="0"/>
+              </a:rPr>
+              <a:t>py</a:t>
+            </a:r>
+            <a:r>
+              <a:rPr lang="en-US" sz="1400" dirty="0">
+                <a:latin typeface="Cascadia Mono" pitchFamily="50" charset="0"/>
+                <a:cs typeface="Cascadia Mono" pitchFamily="50" charset="0"/>
+              </a:rPr>
+              <a:t> manage.py </a:t>
+            </a:r>
+            <a:r>
+              <a:rPr lang="en-US" sz="1400" dirty="0" err="1">
+                <a:latin typeface="Cascadia Mono" pitchFamily="50" charset="0"/>
+                <a:cs typeface="Cascadia Mono" pitchFamily="50" charset="0"/>
+              </a:rPr>
+              <a:t>createapp</a:t>
+            </a:r>
+            <a:r>
+              <a:rPr lang="en-US" sz="1400" dirty="0">
+                <a:latin typeface="Cascadia Mono" pitchFamily="50" charset="0"/>
+                <a:cs typeface="Cascadia Mono" pitchFamily="50" charset="0"/>
+              </a:rPr>
+              <a:t> user</a:t>
+            </a:r>
+          </a:p>
+          <a:p>
+            <a:pPr marL="0" indent="0">
+              <a:buNone/>
+            </a:pPr>
+            <a:r>
+              <a:rPr lang="en-US" sz="1400" dirty="0">
+                <a:latin typeface="Cascadia Mono" pitchFamily="50" charset="0"/>
+                <a:cs typeface="Cascadia Mono" pitchFamily="50" charset="0"/>
+              </a:rPr>
+              <a:t>PS&gt; cd user</a:t>
+            </a:r>
+          </a:p>
+          <a:p>
+            <a:pPr marL="0" indent="0">
+              <a:buNone/>
+            </a:pPr>
+            <a:r>
+              <a:rPr lang="en-US" sz="1400" dirty="0">
+                <a:latin typeface="Cascadia Mono" pitchFamily="50" charset="0"/>
+                <a:cs typeface="Cascadia Mono" pitchFamily="50" charset="0"/>
+              </a:rPr>
+              <a:t>PS&gt; </a:t>
+            </a:r>
+            <a:r>
+              <a:rPr lang="en-US" sz="1400" dirty="0" err="1">
+                <a:latin typeface="Cascadia Mono" pitchFamily="50" charset="0"/>
+                <a:cs typeface="Cascadia Mono" pitchFamily="50" charset="0"/>
+              </a:rPr>
+              <a:t>ni</a:t>
+            </a:r>
+            <a:r>
+              <a:rPr lang="en-US" sz="1400" dirty="0">
+                <a:latin typeface="Cascadia Mono" pitchFamily="50" charset="0"/>
+                <a:cs typeface="Cascadia Mono" pitchFamily="50" charset="0"/>
+              </a:rPr>
+              <a:t> urls.py</a:t>
+            </a:r>
+          </a:p>
+        </p:txBody>
+      </p:sp>
+      <p:cxnSp>
+        <p:nvCxnSpPr>
+          <p:cNvPr id="8" name="Straight Connector 7">
+            <a:extLst>
+              <a:ext uri="{FF2B5EF4-FFF2-40B4-BE49-F238E27FC236}">
+                <a16:creationId xmlns:a16="http://schemas.microsoft.com/office/drawing/2014/main" id="{86026003-8254-4341-9027-3715142B6F90}"/>
+              </a:ext>
+            </a:extLst>
+          </p:cNvPr>
+          <p:cNvCxnSpPr>
+            <a:endCxn id="6" idx="3"/>
+          </p:cNvCxnSpPr>
+          <p:nvPr/>
+        </p:nvCxnSpPr>
+        <p:spPr>
+          <a:xfrm>
+            <a:off x="5243804" y="3872204"/>
+            <a:ext cx="5755436" cy="0"/>
+          </a:xfrm>
+          <a:prstGeom prst="line">
+            <a:avLst/>
+          </a:prstGeom>
+        </p:spPr>
+        <p:style>
+          <a:lnRef idx="1">
+            <a:schemeClr val="accent1"/>
+          </a:lnRef>
+          <a:fillRef idx="0">
+            <a:schemeClr val="accent1"/>
+          </a:fillRef>
+          <a:effectRef idx="0">
+            <a:schemeClr val="accent1"/>
+          </a:effectRef>
+          <a:fontRef idx="minor">
+            <a:schemeClr val="tx1"/>
+          </a:fontRef>
+        </p:style>
+      </p:cxnSp>
+    </p:spTree>
+    <p:extLst>
+      <p:ext uri="{BB962C8B-B14F-4D97-AF65-F5344CB8AC3E}">
+        <p14:creationId xmlns:p14="http://schemas.microsoft.com/office/powerpoint/2010/main" val="1444712406"/>
+      </p:ext>
+    </p:extLst>
+  </p:cSld>
+  <p:clrMapOvr>
+    <a:masterClrMapping/>
+  </p:clrMapOvr>
+</p:sld>
+</file>
+
+<file path=ppt/slides/slide14.xml><?xml version="1.0" encoding="utf-8"?>
+<p:sld xmlns:a="http://schemas.openxmlformats.org/drawingml/2006/main" xmlns:r="http://schemas.openxmlformats.org/officeDocument/2006/relationships" xmlns:p="http://schemas.openxmlformats.org/presentationml/2006/main">
+  <p:cSld>
+    <p:spTree>
+      <p:nvGrpSpPr>
+        <p:cNvPr id="1" name=""/>
+        <p:cNvGrpSpPr/>
+        <p:nvPr/>
+      </p:nvGrpSpPr>
+      <p:grpSpPr>
+        <a:xfrm>
+          <a:off x="0" y="0"/>
+          <a:ext cx="0" cy="0"/>
+          <a:chOff x="0" y="0"/>
+          <a:chExt cx="0" cy="0"/>
+        </a:xfrm>
+      </p:grpSpPr>
+      <p:sp>
+        <p:nvSpPr>
+          <p:cNvPr id="2" name="Title 1">
+            <a:extLst>
+              <a:ext uri="{FF2B5EF4-FFF2-40B4-BE49-F238E27FC236}">
+                <a16:creationId xmlns:a16="http://schemas.microsoft.com/office/drawing/2014/main" id="{EB465B98-2FC4-4C97-B122-B430860E1C75}"/>
+              </a:ext>
+            </a:extLst>
+          </p:cNvPr>
+          <p:cNvSpPr>
+            <a:spLocks noGrp="1"/>
+          </p:cNvSpPr>
+          <p:nvPr>
+            <p:ph type="title"/>
+          </p:nvPr>
+        </p:nvSpPr>
+        <p:spPr/>
+        <p:txBody>
+          <a:bodyPr/>
+          <a:lstStyle/>
+          <a:p>
+            <a:r>
+              <a:rPr lang="en-US" dirty="0"/>
+              <a:t>Add a view for the new signup</a:t>
+            </a:r>
+            <a:endParaRPr lang="en-MY" dirty="0"/>
+          </a:p>
+        </p:txBody>
+      </p:sp>
+      <p:sp>
+        <p:nvSpPr>
+          <p:cNvPr id="3" name="Content Placeholder 2">
+            <a:extLst>
+              <a:ext uri="{FF2B5EF4-FFF2-40B4-BE49-F238E27FC236}">
+                <a16:creationId xmlns:a16="http://schemas.microsoft.com/office/drawing/2014/main" id="{D625420F-A618-4FB4-8E6E-45B44030AEA8}"/>
+              </a:ext>
+            </a:extLst>
+          </p:cNvPr>
+          <p:cNvSpPr>
+            <a:spLocks noGrp="1"/>
+          </p:cNvSpPr>
+          <p:nvPr>
+            <p:ph idx="1"/>
+          </p:nvPr>
+        </p:nvSpPr>
+        <p:spPr>
+          <a:xfrm>
+            <a:off x="1069848" y="2121408"/>
+            <a:ext cx="10058400" cy="2642617"/>
+          </a:xfrm>
+        </p:spPr>
+        <p:txBody>
+          <a:bodyPr>
+            <a:normAutofit/>
+          </a:bodyPr>
+          <a:lstStyle/>
+          <a:p>
+            <a:r>
+              <a:rPr lang="en-US" dirty="0"/>
+              <a:t>New signup view class</a:t>
+            </a:r>
+          </a:p>
+          <a:p>
+            <a:endParaRPr lang="en-US" dirty="0"/>
+          </a:p>
+        </p:txBody>
+      </p:sp>
+      <p:pic>
+        <p:nvPicPr>
+          <p:cNvPr id="5" name="Picture 4">
+            <a:extLst>
+              <a:ext uri="{FF2B5EF4-FFF2-40B4-BE49-F238E27FC236}">
+                <a16:creationId xmlns:a16="http://schemas.microsoft.com/office/drawing/2014/main" id="{1E8DCC86-8DEC-46E5-A735-553CCF7559C2}"/>
+              </a:ext>
+            </a:extLst>
+          </p:cNvPr>
+          <p:cNvPicPr>
+            <a:picLocks noChangeAspect="1"/>
+          </p:cNvPicPr>
+          <p:nvPr/>
+        </p:nvPicPr>
+        <p:blipFill>
+          <a:blip r:embed="rId2"/>
+          <a:stretch>
+            <a:fillRect/>
+          </a:stretch>
+        </p:blipFill>
+        <p:spPr>
+          <a:xfrm>
+            <a:off x="3532489" y="2654957"/>
+            <a:ext cx="3848637" cy="962159"/>
+          </a:xfrm>
+          <a:prstGeom prst="rect">
+            <a:avLst/>
+          </a:prstGeom>
+        </p:spPr>
+      </p:pic>
+    </p:spTree>
+    <p:extLst>
+      <p:ext uri="{BB962C8B-B14F-4D97-AF65-F5344CB8AC3E}">
+        <p14:creationId xmlns:p14="http://schemas.microsoft.com/office/powerpoint/2010/main" val="2298238761"/>
+      </p:ext>
+    </p:extLst>
+  </p:cSld>
+  <p:clrMapOvr>
+    <a:masterClrMapping/>
+  </p:clrMapOvr>
+</p:sld>
+</file>
+
+<file path=ppt/slides/slide15.xml><?xml version="1.0" encoding="utf-8"?>
+<p:sld xmlns:a="http://schemas.openxmlformats.org/drawingml/2006/main" xmlns:r="http://schemas.openxmlformats.org/officeDocument/2006/relationships" xmlns:p="http://schemas.openxmlformats.org/presentationml/2006/main">
+  <p:cSld>
+    <p:spTree>
+      <p:nvGrpSpPr>
+        <p:cNvPr id="1" name=""/>
+        <p:cNvGrpSpPr/>
+        <p:nvPr/>
+      </p:nvGrpSpPr>
+      <p:grpSpPr>
+        <a:xfrm>
+          <a:off x="0" y="0"/>
+          <a:ext cx="0" cy="0"/>
+          <a:chOff x="0" y="0"/>
+          <a:chExt cx="0" cy="0"/>
+        </a:xfrm>
+      </p:grpSpPr>
+      <p:sp>
+        <p:nvSpPr>
+          <p:cNvPr id="2" name="Title 1">
+            <a:extLst>
+              <a:ext uri="{FF2B5EF4-FFF2-40B4-BE49-F238E27FC236}">
+                <a16:creationId xmlns:a16="http://schemas.microsoft.com/office/drawing/2014/main" id="{EB465B98-2FC4-4C97-B122-B430860E1C75}"/>
+              </a:ext>
+            </a:extLst>
+          </p:cNvPr>
+          <p:cNvSpPr>
+            <a:spLocks noGrp="1"/>
+          </p:cNvSpPr>
+          <p:nvPr>
+            <p:ph type="title"/>
+          </p:nvPr>
+        </p:nvSpPr>
+        <p:spPr/>
+        <p:txBody>
+          <a:bodyPr/>
+          <a:lstStyle/>
+          <a:p>
+            <a:r>
+              <a:rPr lang="en-US" dirty="0"/>
+              <a:t>Create template for signup</a:t>
+            </a:r>
+            <a:endParaRPr lang="en-MY" dirty="0"/>
+          </a:p>
+        </p:txBody>
+      </p:sp>
+      <p:sp>
+        <p:nvSpPr>
+          <p:cNvPr id="3" name="Content Placeholder 2">
+            <a:extLst>
+              <a:ext uri="{FF2B5EF4-FFF2-40B4-BE49-F238E27FC236}">
+                <a16:creationId xmlns:a16="http://schemas.microsoft.com/office/drawing/2014/main" id="{D625420F-A618-4FB4-8E6E-45B44030AEA8}"/>
+              </a:ext>
+            </a:extLst>
+          </p:cNvPr>
+          <p:cNvSpPr>
+            <a:spLocks noGrp="1"/>
+          </p:cNvSpPr>
+          <p:nvPr>
+            <p:ph idx="1"/>
+          </p:nvPr>
+        </p:nvSpPr>
+        <p:spPr>
+          <a:xfrm>
+            <a:off x="1069848" y="2121409"/>
+            <a:ext cx="10058400" cy="1307592"/>
+          </a:xfrm>
+        </p:spPr>
+        <p:txBody>
+          <a:bodyPr>
+            <a:normAutofit/>
+          </a:bodyPr>
+          <a:lstStyle/>
+          <a:p>
+            <a:r>
+              <a:rPr lang="en-US" dirty="0"/>
+              <a:t>User/templates/user/signup.html</a:t>
+            </a:r>
+          </a:p>
+        </p:txBody>
+      </p:sp>
+      <p:pic>
+        <p:nvPicPr>
+          <p:cNvPr id="7" name="Picture 6">
+            <a:extLst>
+              <a:ext uri="{FF2B5EF4-FFF2-40B4-BE49-F238E27FC236}">
+                <a16:creationId xmlns:a16="http://schemas.microsoft.com/office/drawing/2014/main" id="{EC9B6992-54B1-437F-8372-79987B7FBD86}"/>
+              </a:ext>
+            </a:extLst>
+          </p:cNvPr>
+          <p:cNvPicPr>
+            <a:picLocks noChangeAspect="1"/>
+          </p:cNvPicPr>
+          <p:nvPr/>
+        </p:nvPicPr>
+        <p:blipFill>
+          <a:blip r:embed="rId2"/>
+          <a:stretch>
+            <a:fillRect/>
+          </a:stretch>
+        </p:blipFill>
+        <p:spPr>
+          <a:xfrm>
+            <a:off x="2774146" y="2775205"/>
+            <a:ext cx="7087589" cy="3753374"/>
+          </a:xfrm>
+          <a:prstGeom prst="rect">
+            <a:avLst/>
+          </a:prstGeom>
+        </p:spPr>
+      </p:pic>
+    </p:spTree>
+    <p:extLst>
+      <p:ext uri="{BB962C8B-B14F-4D97-AF65-F5344CB8AC3E}">
+        <p14:creationId xmlns:p14="http://schemas.microsoft.com/office/powerpoint/2010/main" val="1438882001"/>
+      </p:ext>
+    </p:extLst>
+  </p:cSld>
+  <p:clrMapOvr>
+    <a:masterClrMapping/>
+  </p:clrMapOvr>
+</p:sld>
+</file>
+
+<file path=ppt/slides/slide16.xml><?xml version="1.0" encoding="utf-8"?>
+<p:sld xmlns:a="http://schemas.openxmlformats.org/drawingml/2006/main" xmlns:r="http://schemas.openxmlformats.org/officeDocument/2006/relationships" xmlns:p="http://schemas.openxmlformats.org/presentationml/2006/main">
+  <p:cSld>
+    <p:spTree>
+      <p:nvGrpSpPr>
+        <p:cNvPr id="1" name=""/>
+        <p:cNvGrpSpPr/>
+        <p:nvPr/>
+      </p:nvGrpSpPr>
+      <p:grpSpPr>
+        <a:xfrm>
+          <a:off x="0" y="0"/>
+          <a:ext cx="0" cy="0"/>
+          <a:chOff x="0" y="0"/>
+          <a:chExt cx="0" cy="0"/>
+        </a:xfrm>
+      </p:grpSpPr>
+      <p:sp>
+        <p:nvSpPr>
+          <p:cNvPr id="2" name="Title 1">
+            <a:extLst>
+              <a:ext uri="{FF2B5EF4-FFF2-40B4-BE49-F238E27FC236}">
+                <a16:creationId xmlns:a16="http://schemas.microsoft.com/office/drawing/2014/main" id="{657FB61E-6B36-48A4-912E-355141BD8C58}"/>
+              </a:ext>
+            </a:extLst>
+          </p:cNvPr>
+          <p:cNvSpPr>
+            <a:spLocks noGrp="1"/>
+          </p:cNvSpPr>
+          <p:nvPr>
+            <p:ph type="title"/>
+          </p:nvPr>
+        </p:nvSpPr>
+        <p:spPr/>
+        <p:txBody>
+          <a:bodyPr/>
+          <a:lstStyle/>
+          <a:p>
+            <a:r>
+              <a:rPr lang="en-US" dirty="0"/>
+              <a:t>Add signup link at homepage</a:t>
+            </a:r>
+            <a:endParaRPr lang="en-MY" dirty="0"/>
+          </a:p>
+        </p:txBody>
+      </p:sp>
+      <p:pic>
+        <p:nvPicPr>
+          <p:cNvPr id="9" name="Picture 8">
+            <a:extLst>
+              <a:ext uri="{FF2B5EF4-FFF2-40B4-BE49-F238E27FC236}">
+                <a16:creationId xmlns:a16="http://schemas.microsoft.com/office/drawing/2014/main" id="{996E71C5-6FCE-443F-A069-508D976D678C}"/>
+              </a:ext>
+            </a:extLst>
+          </p:cNvPr>
+          <p:cNvPicPr>
+            <a:picLocks noChangeAspect="1"/>
+          </p:cNvPicPr>
+          <p:nvPr/>
+        </p:nvPicPr>
+        <p:blipFill>
+          <a:blip r:embed="rId2"/>
+          <a:stretch>
+            <a:fillRect/>
+          </a:stretch>
+        </p:blipFill>
+        <p:spPr>
+          <a:xfrm>
+            <a:off x="1318546" y="2543051"/>
+            <a:ext cx="9554908" cy="1771897"/>
+          </a:xfrm>
+          <a:prstGeom prst="rect">
+            <a:avLst/>
+          </a:prstGeom>
+        </p:spPr>
+      </p:pic>
+      <p:sp>
+        <p:nvSpPr>
+          <p:cNvPr id="10" name="Rectangle 9">
+            <a:extLst>
+              <a:ext uri="{FF2B5EF4-FFF2-40B4-BE49-F238E27FC236}">
+                <a16:creationId xmlns:a16="http://schemas.microsoft.com/office/drawing/2014/main" id="{0CFC1F99-6982-4A5A-BFB3-D4715DCC7056}"/>
+              </a:ext>
+            </a:extLst>
+          </p:cNvPr>
+          <p:cNvSpPr/>
+          <p:nvPr/>
+        </p:nvSpPr>
+        <p:spPr>
+          <a:xfrm>
+            <a:off x="2095130" y="3639845"/>
+            <a:ext cx="5424256" cy="266330"/>
+          </a:xfrm>
+          <a:prstGeom prst="rect">
+            <a:avLst/>
+          </a:prstGeom>
+          <a:noFill/>
+        </p:spPr>
+        <p:style>
+          <a:lnRef idx="2">
+            <a:schemeClr val="accent1">
+              <a:shade val="50000"/>
+            </a:schemeClr>
+          </a:lnRef>
+          <a:fillRef idx="1">
+            <a:schemeClr val="accent1"/>
+          </a:fillRef>
+          <a:effectRef idx="0">
+            <a:schemeClr val="accent1"/>
+          </a:effectRef>
+          <a:fontRef idx="minor">
+            <a:schemeClr val="lt1"/>
+          </a:fontRef>
+        </p:style>
+        <p:txBody>
+          <a:bodyPr rtlCol="0" anchor="ctr"/>
+          <a:lstStyle/>
+          <a:p>
+            <a:pPr algn="ctr"/>
+            <a:endParaRPr lang="en-MY"/>
+          </a:p>
+        </p:txBody>
+      </p:sp>
+    </p:spTree>
+    <p:extLst>
+      <p:ext uri="{BB962C8B-B14F-4D97-AF65-F5344CB8AC3E}">
+        <p14:creationId xmlns:p14="http://schemas.microsoft.com/office/powerpoint/2010/main" val="4116957025"/>
+      </p:ext>
+    </p:extLst>
+  </p:cSld>
+  <p:clrMapOvr>
+    <a:masterClrMapping/>
+  </p:clrMapOvr>
+</p:sld>
+</file>
+
+<file path=ppt/slides/slide17.xml><?xml version="1.0" encoding="utf-8"?>
+<p:sld xmlns:a="http://schemas.openxmlformats.org/drawingml/2006/main" xmlns:r="http://schemas.openxmlformats.org/officeDocument/2006/relationships" xmlns:p="http://schemas.openxmlformats.org/presentationml/2006/main">
+  <p:cSld>
+    <p:spTree>
+      <p:nvGrpSpPr>
+        <p:cNvPr id="1" name=""/>
+        <p:cNvGrpSpPr/>
+        <p:nvPr/>
+      </p:nvGrpSpPr>
+      <p:grpSpPr>
+        <a:xfrm>
+          <a:off x="0" y="0"/>
+          <a:ext cx="0" cy="0"/>
+          <a:chOff x="0" y="0"/>
+          <a:chExt cx="0" cy="0"/>
+        </a:xfrm>
+      </p:grpSpPr>
+      <p:sp>
+        <p:nvSpPr>
+          <p:cNvPr id="2" name="Title 1">
+            <a:extLst>
+              <a:ext uri="{FF2B5EF4-FFF2-40B4-BE49-F238E27FC236}">
+                <a16:creationId xmlns:a16="http://schemas.microsoft.com/office/drawing/2014/main" id="{25A2AD55-4DE0-4463-AEEE-7FD9D8D37672}"/>
+              </a:ext>
+            </a:extLst>
+          </p:cNvPr>
+          <p:cNvSpPr>
+            <a:spLocks noGrp="1"/>
+          </p:cNvSpPr>
+          <p:nvPr>
+            <p:ph type="title"/>
+          </p:nvPr>
+        </p:nvSpPr>
+        <p:spPr/>
+        <p:txBody>
+          <a:bodyPr/>
+          <a:lstStyle/>
+          <a:p>
+            <a:r>
+              <a:rPr lang="en-US" dirty="0"/>
+              <a:t>Test it. And further thinking</a:t>
+            </a:r>
+            <a:endParaRPr lang="en-MY" dirty="0"/>
+          </a:p>
+        </p:txBody>
+      </p:sp>
+      <p:sp>
+        <p:nvSpPr>
+          <p:cNvPr id="3" name="Content Placeholder 2">
+            <a:extLst>
+              <a:ext uri="{FF2B5EF4-FFF2-40B4-BE49-F238E27FC236}">
+                <a16:creationId xmlns:a16="http://schemas.microsoft.com/office/drawing/2014/main" id="{65C7CE3D-10B2-40F5-83C1-B3E8B843D0D2}"/>
+              </a:ext>
+            </a:extLst>
+          </p:cNvPr>
+          <p:cNvSpPr>
+            <a:spLocks noGrp="1"/>
+          </p:cNvSpPr>
+          <p:nvPr>
+            <p:ph idx="1"/>
+          </p:nvPr>
+        </p:nvSpPr>
+        <p:spPr>
+          <a:xfrm>
+            <a:off x="1069848" y="2121407"/>
+            <a:ext cx="10058400" cy="2991769"/>
+          </a:xfrm>
+        </p:spPr>
+        <p:txBody>
+          <a:bodyPr>
+            <a:normAutofit/>
+          </a:bodyPr>
+          <a:lstStyle/>
+          <a:p>
+            <a:r>
+              <a:rPr lang="en-US" sz="1800" dirty="0"/>
+              <a:t>The frequently needed function we still missing is </a:t>
+            </a:r>
+            <a:r>
+              <a:rPr lang="en-US" sz="1800" b="1" i="1" dirty="0"/>
+              <a:t>password change</a:t>
+            </a:r>
+            <a:r>
+              <a:rPr lang="en-US" sz="1800" dirty="0"/>
+              <a:t>. This Django already has a default one which we can use.</a:t>
+            </a:r>
+          </a:p>
+          <a:p>
+            <a:r>
+              <a:rPr lang="en-US" sz="1800" dirty="0"/>
+              <a:t>To see the default password change: http://localhost:8000/accounts/password_change/</a:t>
+            </a:r>
+          </a:p>
+          <a:p>
+            <a:r>
+              <a:rPr lang="en-US" sz="1800" dirty="0"/>
+              <a:t>And still another function: </a:t>
+            </a:r>
+            <a:r>
+              <a:rPr lang="en-US" sz="1800" b="1" i="1" dirty="0"/>
+              <a:t>password reset</a:t>
+            </a:r>
+            <a:r>
+              <a:rPr lang="en-US" sz="1800" dirty="0"/>
+              <a:t>, allow the user recover password/reset password if he/she forget it. This at real production environment will normally need email service to accomplish, or many web sites uses message to cellphone to verify. Only successfully verified user can reset password.</a:t>
+            </a:r>
+          </a:p>
+          <a:p>
+            <a:endParaRPr lang="en-MY" sz="1800" dirty="0"/>
+          </a:p>
+        </p:txBody>
+      </p:sp>
+    </p:spTree>
+    <p:extLst>
+      <p:ext uri="{BB962C8B-B14F-4D97-AF65-F5344CB8AC3E}">
+        <p14:creationId xmlns:p14="http://schemas.microsoft.com/office/powerpoint/2010/main" val="2093418223"/>
+      </p:ext>
+    </p:extLst>
+  </p:cSld>
+  <p:clrMapOvr>
+    <a:masterClrMapping/>
+  </p:clrMapOvr>
+</p:sld>
+</file>
+
+<file path=ppt/slides/slide18.xml><?xml version="1.0" encoding="utf-8"?>
+<p:sld xmlns:a="http://schemas.openxmlformats.org/drawingml/2006/main" xmlns:r="http://schemas.openxmlformats.org/officeDocument/2006/relationships" xmlns:p="http://schemas.openxmlformats.org/presentationml/2006/main">
+  <p:cSld>
+    <p:spTree>
+      <p:nvGrpSpPr>
+        <p:cNvPr id="1" name=""/>
+        <p:cNvGrpSpPr/>
+        <p:nvPr/>
+      </p:nvGrpSpPr>
+      <p:grpSpPr>
+        <a:xfrm>
+          <a:off x="0" y="0"/>
+          <a:ext cx="0" cy="0"/>
+          <a:chOff x="0" y="0"/>
+          <a:chExt cx="0" cy="0"/>
+        </a:xfrm>
+      </p:grpSpPr>
+      <p:sp>
+        <p:nvSpPr>
+          <p:cNvPr id="2" name="Title 1">
+            <a:extLst>
+              <a:ext uri="{FF2B5EF4-FFF2-40B4-BE49-F238E27FC236}">
+                <a16:creationId xmlns:a16="http://schemas.microsoft.com/office/drawing/2014/main" id="{8920B769-EAE1-4C03-8CCF-EE758DDAF0F8}"/>
+              </a:ext>
+            </a:extLst>
+          </p:cNvPr>
+          <p:cNvSpPr>
+            <a:spLocks noGrp="1"/>
+          </p:cNvSpPr>
+          <p:nvPr>
+            <p:ph type="title"/>
+          </p:nvPr>
+        </p:nvSpPr>
+        <p:spPr/>
+        <p:txBody>
+          <a:bodyPr/>
+          <a:lstStyle/>
+          <a:p>
+            <a:r>
+              <a:rPr lang="en-US" dirty="0"/>
+              <a:t>Email backend to console</a:t>
+            </a:r>
+            <a:endParaRPr lang="en-MY" dirty="0"/>
+          </a:p>
+        </p:txBody>
+      </p:sp>
+      <p:sp>
+        <p:nvSpPr>
+          <p:cNvPr id="3" name="Content Placeholder 2">
+            <a:extLst>
+              <a:ext uri="{FF2B5EF4-FFF2-40B4-BE49-F238E27FC236}">
+                <a16:creationId xmlns:a16="http://schemas.microsoft.com/office/drawing/2014/main" id="{97102E98-1014-4536-9291-87BEA970F291}"/>
+              </a:ext>
+            </a:extLst>
+          </p:cNvPr>
+          <p:cNvSpPr>
+            <a:spLocks noGrp="1"/>
+          </p:cNvSpPr>
+          <p:nvPr>
+            <p:ph idx="1"/>
+          </p:nvPr>
+        </p:nvSpPr>
+        <p:spPr>
+          <a:xfrm>
+            <a:off x="1069848" y="2121408"/>
+            <a:ext cx="10058400" cy="1307592"/>
+          </a:xfrm>
+        </p:spPr>
+        <p:txBody>
+          <a:bodyPr/>
+          <a:lstStyle/>
+          <a:p>
+            <a:r>
+              <a:rPr lang="en-US" dirty="0"/>
+              <a:t>Add this in the site settings.py</a:t>
+            </a:r>
+            <a:endParaRPr lang="en-MY" dirty="0"/>
+          </a:p>
+        </p:txBody>
+      </p:sp>
+      <p:pic>
+        <p:nvPicPr>
+          <p:cNvPr id="5" name="Picture 4">
+            <a:extLst>
+              <a:ext uri="{FF2B5EF4-FFF2-40B4-BE49-F238E27FC236}">
+                <a16:creationId xmlns:a16="http://schemas.microsoft.com/office/drawing/2014/main" id="{4DA0D7FC-4765-46DF-8211-D285C187A671}"/>
+              </a:ext>
+            </a:extLst>
+          </p:cNvPr>
+          <p:cNvPicPr>
+            <a:picLocks noChangeAspect="1"/>
+          </p:cNvPicPr>
+          <p:nvPr/>
+        </p:nvPicPr>
+        <p:blipFill>
+          <a:blip r:embed="rId2"/>
+          <a:stretch>
+            <a:fillRect/>
+          </a:stretch>
+        </p:blipFill>
+        <p:spPr>
+          <a:xfrm>
+            <a:off x="2240248" y="3724447"/>
+            <a:ext cx="6573167" cy="304843"/>
+          </a:xfrm>
+          <a:prstGeom prst="rect">
+            <a:avLst/>
+          </a:prstGeom>
+        </p:spPr>
+      </p:pic>
+    </p:spTree>
+    <p:extLst>
+      <p:ext uri="{BB962C8B-B14F-4D97-AF65-F5344CB8AC3E}">
+        <p14:creationId xmlns:p14="http://schemas.microsoft.com/office/powerpoint/2010/main" val="1869230240"/>
+      </p:ext>
+    </p:extLst>
+  </p:cSld>
+  <p:clrMapOvr>
+    <a:masterClrMapping/>
+  </p:clrMapOvr>
+</p:sld>
+</file>
+
+<file path=ppt/slides/slide19.xml><?xml version="1.0" encoding="utf-8"?>
+<p:sld xmlns:a="http://schemas.openxmlformats.org/drawingml/2006/main" xmlns:r="http://schemas.openxmlformats.org/officeDocument/2006/relationships" xmlns:p="http://schemas.openxmlformats.org/presentationml/2006/main">
+  <p:cSld>
+    <p:spTree>
+      <p:nvGrpSpPr>
+        <p:cNvPr id="1" name=""/>
+        <p:cNvGrpSpPr/>
+        <p:nvPr/>
+      </p:nvGrpSpPr>
+      <p:grpSpPr>
+        <a:xfrm>
+          <a:off x="0" y="0"/>
+          <a:ext cx="0" cy="0"/>
+          <a:chOff x="0" y="0"/>
+          <a:chExt cx="0" cy="0"/>
+        </a:xfrm>
+      </p:grpSpPr>
+      <p:sp>
+        <p:nvSpPr>
+          <p:cNvPr id="2" name="Title 1">
+            <a:extLst>
+              <a:ext uri="{FF2B5EF4-FFF2-40B4-BE49-F238E27FC236}">
+                <a16:creationId xmlns:a16="http://schemas.microsoft.com/office/drawing/2014/main" id="{D5821041-814F-4CE6-B1AF-A99B3169A5E7}"/>
+              </a:ext>
+            </a:extLst>
+          </p:cNvPr>
+          <p:cNvSpPr>
+            <a:spLocks noGrp="1"/>
+          </p:cNvSpPr>
+          <p:nvPr>
+            <p:ph type="title"/>
+          </p:nvPr>
+        </p:nvSpPr>
+        <p:spPr/>
+        <p:txBody>
+          <a:bodyPr/>
+          <a:lstStyle/>
+          <a:p>
+            <a:r>
+              <a:rPr lang="en-US" dirty="0"/>
+              <a:t>Provide email for password reset</a:t>
+            </a:r>
+            <a:endParaRPr lang="en-MY" dirty="0"/>
+          </a:p>
+        </p:txBody>
+      </p:sp>
+      <p:sp>
+        <p:nvSpPr>
+          <p:cNvPr id="3" name="Content Placeholder 2">
+            <a:extLst>
+              <a:ext uri="{FF2B5EF4-FFF2-40B4-BE49-F238E27FC236}">
+                <a16:creationId xmlns:a16="http://schemas.microsoft.com/office/drawing/2014/main" id="{A1553141-DF20-4DE2-9E97-79F3D9AB6EAF}"/>
+              </a:ext>
+            </a:extLst>
+          </p:cNvPr>
+          <p:cNvSpPr>
+            <a:spLocks noGrp="1"/>
+          </p:cNvSpPr>
+          <p:nvPr>
+            <p:ph idx="1"/>
+          </p:nvPr>
+        </p:nvSpPr>
+        <p:spPr/>
+        <p:txBody>
+          <a:bodyPr/>
+          <a:lstStyle/>
+          <a:p>
+            <a:r>
+              <a:rPr lang="en-US" dirty="0"/>
+              <a:t>http://localhost:8000/accounts/password_reset/</a:t>
+            </a:r>
+            <a:endParaRPr lang="en-MY" dirty="0"/>
+          </a:p>
+        </p:txBody>
+      </p:sp>
+      <p:pic>
+        <p:nvPicPr>
+          <p:cNvPr id="5" name="Picture 4">
+            <a:extLst>
+              <a:ext uri="{FF2B5EF4-FFF2-40B4-BE49-F238E27FC236}">
+                <a16:creationId xmlns:a16="http://schemas.microsoft.com/office/drawing/2014/main" id="{0FEB3895-6376-4CE2-8C04-98CB231328E9}"/>
+              </a:ext>
+            </a:extLst>
+          </p:cNvPr>
+          <p:cNvPicPr>
+            <a:picLocks noChangeAspect="1"/>
+          </p:cNvPicPr>
+          <p:nvPr/>
+        </p:nvPicPr>
+        <p:blipFill>
+          <a:blip r:embed="rId2"/>
+          <a:stretch>
+            <a:fillRect/>
+          </a:stretch>
+        </p:blipFill>
+        <p:spPr>
+          <a:xfrm>
+            <a:off x="1656730" y="3170343"/>
+            <a:ext cx="8878539" cy="2124371"/>
+          </a:xfrm>
+          <a:prstGeom prst="rect">
+            <a:avLst/>
+          </a:prstGeom>
+        </p:spPr>
+      </p:pic>
+    </p:spTree>
+    <p:extLst>
+      <p:ext uri="{BB962C8B-B14F-4D97-AF65-F5344CB8AC3E}">
+        <p14:creationId xmlns:p14="http://schemas.microsoft.com/office/powerpoint/2010/main" val="3210760856"/>
+      </p:ext>
+    </p:extLst>
+  </p:cSld>
+  <p:clrMapOvr>
+    <a:masterClrMapping/>
+  </p:clrMapOvr>
+</p:sld>
+</file>
+
+<file path=ppt/slides/slide2.xml><?xml version="1.0" encoding="utf-8"?>
+<p:sld xmlns:a="http://schemas.openxmlformats.org/drawingml/2006/main" xmlns:r="http://schemas.openxmlformats.org/officeDocument/2006/relationships" xmlns:p="http://schemas.openxmlformats.org/presentationml/2006/main">
+  <p:cSld>
+    <p:spTree>
+      <p:nvGrpSpPr>
+        <p:cNvPr id="1" name=""/>
+        <p:cNvGrpSpPr/>
+        <p:nvPr/>
+      </p:nvGrpSpPr>
+      <p:grpSpPr>
+        <a:xfrm>
+          <a:off x="0" y="0"/>
+          <a:ext cx="0" cy="0"/>
+          <a:chOff x="0" y="0"/>
+          <a:chExt cx="0" cy="0"/>
+        </a:xfrm>
+      </p:grpSpPr>
+      <p:sp>
+        <p:nvSpPr>
+          <p:cNvPr id="2" name="Title 1">
+            <a:extLst>
+              <a:ext uri="{FF2B5EF4-FFF2-40B4-BE49-F238E27FC236}">
+                <a16:creationId xmlns:a16="http://schemas.microsoft.com/office/drawing/2014/main" id="{56C49F37-2CD3-4803-BB31-7FCB52F487AF}"/>
+              </a:ext>
+            </a:extLst>
+          </p:cNvPr>
+          <p:cNvSpPr>
+            <a:spLocks noGrp="1"/>
+          </p:cNvSpPr>
+          <p:nvPr>
+            <p:ph type="title"/>
+          </p:nvPr>
+        </p:nvSpPr>
+        <p:spPr/>
+        <p:txBody>
+          <a:bodyPr/>
+          <a:lstStyle/>
+          <a:p>
+            <a:r>
+              <a:rPr lang="en-US" dirty="0"/>
+              <a:t>Utilize the new developed login for question answering</a:t>
+            </a:r>
+            <a:endParaRPr lang="en-MY" dirty="0"/>
+          </a:p>
+        </p:txBody>
+      </p:sp>
+      <p:sp>
+        <p:nvSpPr>
+          <p:cNvPr id="3" name="Content Placeholder 2">
+            <a:extLst>
+              <a:ext uri="{FF2B5EF4-FFF2-40B4-BE49-F238E27FC236}">
+                <a16:creationId xmlns:a16="http://schemas.microsoft.com/office/drawing/2014/main" id="{2E72B76A-B402-46FA-BD58-10785EC636B6}"/>
+              </a:ext>
+            </a:extLst>
+          </p:cNvPr>
+          <p:cNvSpPr>
+            <a:spLocks noGrp="1"/>
+          </p:cNvSpPr>
+          <p:nvPr>
+            <p:ph idx="1"/>
+          </p:nvPr>
+        </p:nvSpPr>
+        <p:spPr>
+          <a:xfrm>
+            <a:off x="1069847" y="2121408"/>
+            <a:ext cx="9760909" cy="2921109"/>
+          </a:xfrm>
+        </p:spPr>
+        <p:txBody>
+          <a:bodyPr/>
+          <a:lstStyle/>
+          <a:p>
+            <a:r>
+              <a:rPr lang="en-US" dirty="0"/>
+              <a:t>Make the view use Login </a:t>
+            </a:r>
+            <a:r>
+              <a:rPr lang="en-US" dirty="0" err="1"/>
+              <a:t>Mixin</a:t>
+            </a:r>
+            <a:r>
+              <a:rPr lang="en-US" dirty="0"/>
+              <a:t> thus must login then come to the views (start vote, voting, voted)</a:t>
+            </a:r>
+          </a:p>
+          <a:p>
+            <a:r>
+              <a:rPr lang="en-US" dirty="0"/>
+              <a:t>No need to record the </a:t>
+            </a:r>
+            <a:r>
+              <a:rPr lang="en-US" dirty="0" err="1"/>
+              <a:t>user_name</a:t>
+            </a:r>
+            <a:r>
+              <a:rPr lang="en-US" dirty="0"/>
+              <a:t> in session. </a:t>
+            </a:r>
+            <a:r>
+              <a:rPr lang="en-MY" dirty="0"/>
+              <a:t>User str(</a:t>
+            </a:r>
+            <a:r>
+              <a:rPr lang="en-MY" dirty="0" err="1"/>
+              <a:t>request.user</a:t>
+            </a:r>
+            <a:r>
+              <a:rPr lang="en-MY" dirty="0"/>
+              <a:t>) as user name (it is done by login to record user name)</a:t>
+            </a:r>
+          </a:p>
+          <a:p>
+            <a:r>
+              <a:rPr lang="en-MY" dirty="0"/>
+              <a:t>Change to use template view instead of the function view.</a:t>
+            </a:r>
+          </a:p>
+          <a:p>
+            <a:r>
+              <a:rPr lang="en-MY" dirty="0" err="1"/>
+              <a:t>Start_vote</a:t>
+            </a:r>
+            <a:r>
+              <a:rPr lang="en-MY" dirty="0"/>
+              <a:t> view inherited from View, Voting view inherited from </a:t>
+            </a:r>
+            <a:r>
+              <a:rPr lang="en-MY" dirty="0" err="1"/>
+              <a:t>FormView</a:t>
+            </a:r>
+            <a:r>
+              <a:rPr lang="en-MY" dirty="0"/>
+              <a:t>, Voted view inherited from </a:t>
+            </a:r>
+            <a:r>
+              <a:rPr lang="en-MY" dirty="0" err="1"/>
+              <a:t>TemplateView</a:t>
+            </a:r>
+            <a:r>
+              <a:rPr lang="en-MY" dirty="0"/>
+              <a:t>.</a:t>
+            </a:r>
+          </a:p>
+        </p:txBody>
+      </p:sp>
+    </p:spTree>
+    <p:extLst>
+      <p:ext uri="{BB962C8B-B14F-4D97-AF65-F5344CB8AC3E}">
+        <p14:creationId xmlns:p14="http://schemas.microsoft.com/office/powerpoint/2010/main" val="2752379900"/>
+      </p:ext>
+    </p:extLst>
+  </p:cSld>
+  <p:clrMapOvr>
+    <a:masterClrMapping/>
+  </p:clrMapOvr>
+</p:sld>
+</file>
+
+<file path=ppt/slides/slide20.xml><?xml version="1.0" encoding="utf-8"?>
+<p:sld xmlns:a="http://schemas.openxmlformats.org/drawingml/2006/main" xmlns:r="http://schemas.openxmlformats.org/officeDocument/2006/relationships" xmlns:p="http://schemas.openxmlformats.org/presentationml/2006/main">
+  <p:cSld>
+    <p:spTree>
+      <p:nvGrpSpPr>
+        <p:cNvPr id="1" name=""/>
+        <p:cNvGrpSpPr/>
+        <p:nvPr/>
+      </p:nvGrpSpPr>
+      <p:grpSpPr>
+        <a:xfrm>
+          <a:off x="0" y="0"/>
+          <a:ext cx="0" cy="0"/>
+          <a:chOff x="0" y="0"/>
+          <a:chExt cx="0" cy="0"/>
+        </a:xfrm>
+      </p:grpSpPr>
+      <p:sp>
+        <p:nvSpPr>
+          <p:cNvPr id="2" name="Title 1">
+            <a:extLst>
+              <a:ext uri="{FF2B5EF4-FFF2-40B4-BE49-F238E27FC236}">
+                <a16:creationId xmlns:a16="http://schemas.microsoft.com/office/drawing/2014/main" id="{EC16E074-6294-498B-A299-41D2904F8BF3}"/>
+              </a:ext>
+            </a:extLst>
+          </p:cNvPr>
+          <p:cNvSpPr>
+            <a:spLocks noGrp="1"/>
+          </p:cNvSpPr>
+          <p:nvPr>
+            <p:ph type="title"/>
+          </p:nvPr>
+        </p:nvSpPr>
+        <p:spPr/>
+        <p:txBody>
+          <a:bodyPr/>
+          <a:lstStyle/>
+          <a:p>
+            <a:r>
+              <a:rPr lang="en-US" dirty="0"/>
+              <a:t>Email was in console where we started server</a:t>
+            </a:r>
+            <a:endParaRPr lang="en-MY" dirty="0"/>
+          </a:p>
+        </p:txBody>
+      </p:sp>
+      <p:pic>
+        <p:nvPicPr>
+          <p:cNvPr id="5" name="Picture 4">
+            <a:extLst>
+              <a:ext uri="{FF2B5EF4-FFF2-40B4-BE49-F238E27FC236}">
+                <a16:creationId xmlns:a16="http://schemas.microsoft.com/office/drawing/2014/main" id="{0B43215A-C036-4456-A9A0-2559BE603AAA}"/>
+              </a:ext>
+            </a:extLst>
+          </p:cNvPr>
+          <p:cNvPicPr>
+            <a:picLocks noChangeAspect="1"/>
+          </p:cNvPicPr>
+          <p:nvPr/>
+        </p:nvPicPr>
+        <p:blipFill>
+          <a:blip r:embed="rId2"/>
+          <a:stretch>
+            <a:fillRect/>
+          </a:stretch>
+        </p:blipFill>
+        <p:spPr>
+          <a:xfrm>
+            <a:off x="1137525" y="2093976"/>
+            <a:ext cx="10202699" cy="4058216"/>
+          </a:xfrm>
+          <a:prstGeom prst="rect">
+            <a:avLst/>
+          </a:prstGeom>
+        </p:spPr>
+      </p:pic>
+    </p:spTree>
+    <p:extLst>
+      <p:ext uri="{BB962C8B-B14F-4D97-AF65-F5344CB8AC3E}">
+        <p14:creationId xmlns:p14="http://schemas.microsoft.com/office/powerpoint/2010/main" val="2645431693"/>
+      </p:ext>
+    </p:extLst>
+  </p:cSld>
+  <p:clrMapOvr>
+    <a:masterClrMapping/>
+  </p:clrMapOvr>
+</p:sld>
+</file>
+
+<file path=ppt/slides/slide21.xml><?xml version="1.0" encoding="utf-8"?>
+<p:sld xmlns:a="http://schemas.openxmlformats.org/drawingml/2006/main" xmlns:r="http://schemas.openxmlformats.org/officeDocument/2006/relationships" xmlns:p="http://schemas.openxmlformats.org/presentationml/2006/main">
+  <p:cSld>
+    <p:spTree>
+      <p:nvGrpSpPr>
+        <p:cNvPr id="1" name=""/>
+        <p:cNvGrpSpPr/>
+        <p:nvPr/>
+      </p:nvGrpSpPr>
+      <p:grpSpPr>
+        <a:xfrm>
+          <a:off x="0" y="0"/>
+          <a:ext cx="0" cy="0"/>
+          <a:chOff x="0" y="0"/>
+          <a:chExt cx="0" cy="0"/>
+        </a:xfrm>
+      </p:grpSpPr>
+      <p:sp>
+        <p:nvSpPr>
+          <p:cNvPr id="2" name="Title 1">
+            <a:extLst>
+              <a:ext uri="{FF2B5EF4-FFF2-40B4-BE49-F238E27FC236}">
+                <a16:creationId xmlns:a16="http://schemas.microsoft.com/office/drawing/2014/main" id="{25A2AD55-4DE0-4463-AEEE-7FD9D8D37672}"/>
+              </a:ext>
+            </a:extLst>
+          </p:cNvPr>
+          <p:cNvSpPr>
+            <a:spLocks noGrp="1"/>
+          </p:cNvSpPr>
+          <p:nvPr>
+            <p:ph type="title"/>
+          </p:nvPr>
+        </p:nvSpPr>
+        <p:spPr/>
+        <p:txBody>
+          <a:bodyPr/>
+          <a:lstStyle/>
+          <a:p>
+            <a:r>
+              <a:rPr lang="en-US" dirty="0"/>
+              <a:t>And again some further thinking</a:t>
+            </a:r>
+            <a:endParaRPr lang="en-MY" dirty="0"/>
+          </a:p>
+        </p:txBody>
+      </p:sp>
+      <p:sp>
+        <p:nvSpPr>
+          <p:cNvPr id="3" name="Content Placeholder 2">
+            <a:extLst>
+              <a:ext uri="{FF2B5EF4-FFF2-40B4-BE49-F238E27FC236}">
+                <a16:creationId xmlns:a16="http://schemas.microsoft.com/office/drawing/2014/main" id="{65C7CE3D-10B2-40F5-83C1-B3E8B843D0D2}"/>
+              </a:ext>
+            </a:extLst>
+          </p:cNvPr>
+          <p:cNvSpPr>
+            <a:spLocks noGrp="1"/>
+          </p:cNvSpPr>
+          <p:nvPr>
+            <p:ph idx="1"/>
+          </p:nvPr>
+        </p:nvSpPr>
+        <p:spPr>
+          <a:xfrm>
+            <a:off x="1069848" y="2121407"/>
+            <a:ext cx="10058400" cy="2991769"/>
+          </a:xfrm>
+        </p:spPr>
+        <p:txBody>
+          <a:bodyPr>
+            <a:normAutofit/>
+          </a:bodyPr>
+          <a:lstStyle/>
+          <a:p>
+            <a:r>
+              <a:rPr lang="en-US" sz="1800" dirty="0"/>
+              <a:t>You can create a user profile page, which allow the user to modify his information, including change password.</a:t>
+            </a:r>
+          </a:p>
+          <a:p>
+            <a:r>
+              <a:rPr lang="en-US" sz="1800" dirty="0"/>
+              <a:t>When login, allow a ‘forget password’ button to offer password reset to user.</a:t>
+            </a:r>
+          </a:p>
+          <a:p>
+            <a:endParaRPr lang="en-MY" sz="1800" dirty="0"/>
+          </a:p>
+        </p:txBody>
+      </p:sp>
+    </p:spTree>
+    <p:extLst>
+      <p:ext uri="{BB962C8B-B14F-4D97-AF65-F5344CB8AC3E}">
+        <p14:creationId xmlns:p14="http://schemas.microsoft.com/office/powerpoint/2010/main" val="3035321292"/>
+      </p:ext>
+    </p:extLst>
+  </p:cSld>
+  <p:clrMapOvr>
+    <a:masterClrMapping/>
+  </p:clrMapOvr>
+</p:sld>
+</file>
+
+<file path=ppt/slides/slide22.xml><?xml version="1.0" encoding="utf-8"?>
+<p:sld xmlns:a="http://schemas.openxmlformats.org/drawingml/2006/main" xmlns:r="http://schemas.openxmlformats.org/officeDocument/2006/relationships" xmlns:p="http://schemas.openxmlformats.org/presentationml/2006/main">
+  <p:cSld>
+    <p:spTree>
+      <p:nvGrpSpPr>
+        <p:cNvPr id="1" name=""/>
+        <p:cNvGrpSpPr/>
+        <p:nvPr/>
+      </p:nvGrpSpPr>
+      <p:grpSpPr>
+        <a:xfrm>
+          <a:off x="0" y="0"/>
+          <a:ext cx="0" cy="0"/>
+          <a:chOff x="0" y="0"/>
+          <a:chExt cx="0" cy="0"/>
+        </a:xfrm>
+      </p:grpSpPr>
+      <p:sp>
+        <p:nvSpPr>
+          <p:cNvPr id="2" name="Title 1">
+            <a:extLst>
+              <a:ext uri="{FF2B5EF4-FFF2-40B4-BE49-F238E27FC236}">
+                <a16:creationId xmlns:a16="http://schemas.microsoft.com/office/drawing/2014/main" id="{EF2614DD-D210-414D-AC9D-76C6FE1F95A2}"/>
+              </a:ext>
+            </a:extLst>
+          </p:cNvPr>
+          <p:cNvSpPr>
+            <a:spLocks noGrp="1"/>
+          </p:cNvSpPr>
+          <p:nvPr>
+            <p:ph type="title"/>
+          </p:nvPr>
+        </p:nvSpPr>
+        <p:spPr/>
+        <p:txBody>
+          <a:bodyPr>
+            <a:normAutofit fontScale="90000"/>
+          </a:bodyPr>
+          <a:lstStyle/>
+          <a:p>
+            <a:r>
+              <a:rPr lang="en-US" dirty="0"/>
+              <a:t>Commit branch change, merge to main, Push to remote, deploy to Heroku</a:t>
+            </a:r>
+            <a:endParaRPr lang="en-MY" dirty="0"/>
+          </a:p>
+        </p:txBody>
+      </p:sp>
+      <p:sp>
+        <p:nvSpPr>
+          <p:cNvPr id="4" name="Content Placeholder 2">
+            <a:extLst>
+              <a:ext uri="{FF2B5EF4-FFF2-40B4-BE49-F238E27FC236}">
+                <a16:creationId xmlns:a16="http://schemas.microsoft.com/office/drawing/2014/main" id="{BA93C888-8601-4F8C-AFE5-B281603157AF}"/>
+              </a:ext>
+            </a:extLst>
+          </p:cNvPr>
+          <p:cNvSpPr txBox="1">
+            <a:spLocks/>
+          </p:cNvSpPr>
+          <p:nvPr/>
+        </p:nvSpPr>
+        <p:spPr>
+          <a:xfrm>
+            <a:off x="1619479" y="2153447"/>
+            <a:ext cx="8953042" cy="3500904"/>
+          </a:xfrm>
+          <a:prstGeom prst="rect">
+            <a:avLst/>
+          </a:prstGeom>
+        </p:spPr>
+        <p:txBody>
+          <a:bodyPr vert="horz" lIns="91440" tIns="45720" rIns="91440" bIns="45720" rtlCol="0">
+            <a:normAutofit/>
+          </a:bodyPr>
+          <a:lstStyle>
+            <a:lvl1pPr marL="182880" indent="-182880" algn="l" defTabSz="914400" rtl="0" eaLnBrk="1" latinLnBrk="0" hangingPunct="1">
+              <a:lnSpc>
+                <a:spcPct val="90000"/>
+              </a:lnSpc>
+              <a:spcBef>
+                <a:spcPts val="1200"/>
+              </a:spcBef>
+              <a:buClr>
+                <a:schemeClr val="accent1">
+                  <a:lumMod val="75000"/>
+                </a:schemeClr>
+              </a:buClr>
+              <a:buSzPct val="85000"/>
+              <a:buFont typeface="Wingdings" pitchFamily="2" charset="2"/>
+              <a:buChar char="§"/>
+              <a:defRPr sz="2000" kern="1200">
+                <a:solidFill>
+                  <a:schemeClr val="tx1"/>
+                </a:solidFill>
+                <a:latin typeface="+mn-lt"/>
+                <a:ea typeface="+mn-ea"/>
+                <a:cs typeface="+mn-cs"/>
+              </a:defRPr>
+            </a:lvl1pPr>
+            <a:lvl2pPr marL="457200" indent="-182880" algn="l" defTabSz="914400" rtl="0" eaLnBrk="1" latinLnBrk="0" hangingPunct="1">
+              <a:lnSpc>
+                <a:spcPct val="90000"/>
+              </a:lnSpc>
+              <a:spcBef>
+                <a:spcPts val="400"/>
+              </a:spcBef>
+              <a:spcAft>
+                <a:spcPts val="200"/>
+              </a:spcAft>
+              <a:buClr>
+                <a:schemeClr val="accent1">
+                  <a:lumMod val="75000"/>
+                </a:schemeClr>
+              </a:buClr>
+              <a:buSzPct val="85000"/>
+              <a:buFont typeface="Wingdings" pitchFamily="2" charset="2"/>
+              <a:buChar char="§"/>
+              <a:defRPr sz="1800" kern="1200">
+                <a:solidFill>
+                  <a:schemeClr val="tx1"/>
+                </a:solidFill>
+                <a:latin typeface="+mn-lt"/>
+                <a:ea typeface="+mn-ea"/>
+                <a:cs typeface="+mn-cs"/>
+              </a:defRPr>
+            </a:lvl2pPr>
+            <a:lvl3pPr marL="731520" indent="-182880" algn="l" defTabSz="914400" rtl="0" eaLnBrk="1" latinLnBrk="0" hangingPunct="1">
+              <a:lnSpc>
+                <a:spcPct val="90000"/>
+              </a:lnSpc>
+              <a:spcBef>
+                <a:spcPts val="400"/>
+              </a:spcBef>
+              <a:spcAft>
+                <a:spcPts val="200"/>
+              </a:spcAft>
+              <a:buClr>
+                <a:schemeClr val="accent1">
+                  <a:lumMod val="75000"/>
+                </a:schemeClr>
+              </a:buClr>
+              <a:buSzPct val="85000"/>
+              <a:buFont typeface="Wingdings" pitchFamily="2" charset="2"/>
+              <a:buChar char="§"/>
+              <a:defRPr sz="1600" kern="1200">
+                <a:solidFill>
+                  <a:schemeClr val="tx1"/>
+                </a:solidFill>
+                <a:latin typeface="+mn-lt"/>
+                <a:ea typeface="+mn-ea"/>
+                <a:cs typeface="+mn-cs"/>
+              </a:defRPr>
+            </a:lvl3pPr>
+            <a:lvl4pPr marL="1005840" indent="-182880" algn="l" defTabSz="914400" rtl="0" eaLnBrk="1" latinLnBrk="0" hangingPunct="1">
+              <a:lnSpc>
+                <a:spcPct val="90000"/>
+              </a:lnSpc>
+              <a:spcBef>
+                <a:spcPts val="400"/>
+              </a:spcBef>
+              <a:spcAft>
+                <a:spcPts val="200"/>
+              </a:spcAft>
+              <a:buClr>
+                <a:schemeClr val="accent1">
+                  <a:lumMod val="75000"/>
+                </a:schemeClr>
+              </a:buClr>
+              <a:buSzPct val="85000"/>
+              <a:buFont typeface="Wingdings" pitchFamily="2" charset="2"/>
+              <a:buChar char="§"/>
+              <a:defRPr sz="1600" kern="1200">
+                <a:solidFill>
+                  <a:schemeClr val="tx1"/>
+                </a:solidFill>
+                <a:latin typeface="+mn-lt"/>
+                <a:ea typeface="+mn-ea"/>
+                <a:cs typeface="+mn-cs"/>
+              </a:defRPr>
+            </a:lvl4pPr>
+            <a:lvl5pPr marL="1280160" indent="-182880" algn="l" defTabSz="914400" rtl="0" eaLnBrk="1" latinLnBrk="0" hangingPunct="1">
+              <a:lnSpc>
+                <a:spcPct val="90000"/>
+              </a:lnSpc>
+              <a:spcBef>
+                <a:spcPts val="400"/>
+              </a:spcBef>
+              <a:spcAft>
+                <a:spcPts val="200"/>
+              </a:spcAft>
+              <a:buClr>
+                <a:schemeClr val="accent1">
+                  <a:lumMod val="75000"/>
+                </a:schemeClr>
+              </a:buClr>
+              <a:buSzPct val="85000"/>
+              <a:buFont typeface="Wingdings" pitchFamily="2" charset="2"/>
+              <a:buChar char="§"/>
+              <a:defRPr sz="1600" kern="1200">
+                <a:solidFill>
+                  <a:schemeClr val="tx1"/>
+                </a:solidFill>
+                <a:latin typeface="+mn-lt"/>
+                <a:ea typeface="+mn-ea"/>
+                <a:cs typeface="+mn-cs"/>
+              </a:defRPr>
+            </a:lvl5pPr>
+            <a:lvl6pPr marL="1600000" indent="-228600" algn="l" defTabSz="914400" rtl="0" eaLnBrk="1" latinLnBrk="0" hangingPunct="1">
+              <a:lnSpc>
+                <a:spcPct val="90000"/>
+              </a:lnSpc>
+              <a:spcBef>
+                <a:spcPts val="400"/>
+              </a:spcBef>
+              <a:spcAft>
+                <a:spcPts val="200"/>
+              </a:spcAft>
+              <a:buClr>
+                <a:schemeClr val="accent1">
+                  <a:lumMod val="75000"/>
+                </a:schemeClr>
+              </a:buClr>
+              <a:buSzPct val="85000"/>
+              <a:buFont typeface="Wingdings" pitchFamily="2" charset="2"/>
+              <a:buChar char="§"/>
+              <a:defRPr sz="1600" kern="1200">
+                <a:solidFill>
+                  <a:schemeClr val="tx1"/>
+                </a:solidFill>
+                <a:latin typeface="+mn-lt"/>
+                <a:ea typeface="+mn-ea"/>
+                <a:cs typeface="+mn-cs"/>
+              </a:defRPr>
+            </a:lvl6pPr>
+            <a:lvl7pPr marL="1900000" indent="-228600" algn="l" defTabSz="914400" rtl="0" eaLnBrk="1" latinLnBrk="0" hangingPunct="1">
+              <a:lnSpc>
+                <a:spcPct val="90000"/>
+              </a:lnSpc>
+              <a:spcBef>
+                <a:spcPts val="400"/>
+              </a:spcBef>
+              <a:spcAft>
+                <a:spcPts val="200"/>
+              </a:spcAft>
+              <a:buClr>
+                <a:schemeClr val="accent1">
+                  <a:lumMod val="75000"/>
+                </a:schemeClr>
+              </a:buClr>
+              <a:buSzPct val="85000"/>
+              <a:buFont typeface="Wingdings" pitchFamily="2" charset="2"/>
+              <a:buChar char="§"/>
+              <a:defRPr sz="1600" kern="1200">
+                <a:solidFill>
+                  <a:schemeClr val="tx1"/>
+                </a:solidFill>
+                <a:latin typeface="+mn-lt"/>
+                <a:ea typeface="+mn-ea"/>
+                <a:cs typeface="+mn-cs"/>
+              </a:defRPr>
+            </a:lvl7pPr>
+            <a:lvl8pPr marL="2200000" indent="-228600" algn="l" defTabSz="914400" rtl="0" eaLnBrk="1" latinLnBrk="0" hangingPunct="1">
+              <a:lnSpc>
+                <a:spcPct val="90000"/>
+              </a:lnSpc>
+              <a:spcBef>
+                <a:spcPts val="400"/>
+              </a:spcBef>
+              <a:spcAft>
+                <a:spcPts val="200"/>
+              </a:spcAft>
+              <a:buClr>
+                <a:schemeClr val="accent1">
+                  <a:lumMod val="75000"/>
+                </a:schemeClr>
+              </a:buClr>
+              <a:buSzPct val="85000"/>
+              <a:buFont typeface="Wingdings" pitchFamily="2" charset="2"/>
+              <a:buChar char="§"/>
+              <a:defRPr sz="1600" kern="1200">
+                <a:solidFill>
+                  <a:schemeClr val="tx1"/>
+                </a:solidFill>
+                <a:latin typeface="+mn-lt"/>
+                <a:ea typeface="+mn-ea"/>
+                <a:cs typeface="+mn-cs"/>
+              </a:defRPr>
+            </a:lvl8pPr>
+            <a:lvl9pPr marL="2500000" indent="-228600" algn="l" defTabSz="914400" rtl="0" eaLnBrk="1" latinLnBrk="0" hangingPunct="1">
+              <a:lnSpc>
+                <a:spcPct val="90000"/>
+              </a:lnSpc>
+              <a:spcBef>
+                <a:spcPts val="400"/>
+              </a:spcBef>
+              <a:spcAft>
+                <a:spcPts val="200"/>
+              </a:spcAft>
+              <a:buClr>
+                <a:schemeClr val="accent1">
+                  <a:lumMod val="75000"/>
+                </a:schemeClr>
+              </a:buClr>
+              <a:buSzPct val="85000"/>
+              <a:buFont typeface="Wingdings" pitchFamily="2" charset="2"/>
+              <a:buChar char="§"/>
+              <a:defRPr sz="1600" kern="1200">
+                <a:solidFill>
+                  <a:schemeClr val="tx1"/>
+                </a:solidFill>
+                <a:latin typeface="+mn-lt"/>
+                <a:ea typeface="+mn-ea"/>
+                <a:cs typeface="+mn-cs"/>
+              </a:defRPr>
+            </a:lvl9pPr>
+          </a:lstStyle>
+          <a:p>
+            <a:pPr marL="0" indent="0">
+              <a:buNone/>
+            </a:pPr>
+            <a:r>
+              <a:rPr lang="en-US" sz="1400" dirty="0">
+                <a:latin typeface="Cascadia Mono" pitchFamily="50" charset="0"/>
+                <a:cs typeface="Cascadia Mono" pitchFamily="50" charset="0"/>
+              </a:rPr>
+              <a:t>PS&gt; cd %</a:t>
+            </a:r>
+            <a:r>
+              <a:rPr lang="en-US" sz="1400" dirty="0" err="1">
+                <a:latin typeface="Cascadia Mono" pitchFamily="50" charset="0"/>
+                <a:cs typeface="Cascadia Mono" pitchFamily="50" charset="0"/>
+              </a:rPr>
+              <a:t>Project_Root_folder</a:t>
+            </a:r>
+            <a:r>
+              <a:rPr lang="en-US" sz="1400" dirty="0">
+                <a:latin typeface="Cascadia Mono" pitchFamily="50" charset="0"/>
+                <a:cs typeface="Cascadia Mono" pitchFamily="50" charset="0"/>
+              </a:rPr>
+              <a:t>%</a:t>
             </a:r>
           </a:p>
           <a:p>
@@ -12719,7 +13938,7 @@
                 <a:latin typeface="Cascadia Mono" pitchFamily="50" charset="0"/>
                 <a:cs typeface="Cascadia Mono" pitchFamily="50" charset="0"/>
               </a:rPr>
-              <a:t>add_class_view_singup_form</a:t>
+              <a:t>add_class_view_signup_form</a:t>
             </a:r>
             <a:endParaRPr lang="en-US" sz="1400" dirty="0">
               <a:latin typeface="Cascadia Mono" pitchFamily="50" charset="0"/>
@@ -12756,7 +13975,7 @@
         </p:nvSpPr>
         <p:spPr>
           <a:xfrm>
-            <a:off x="1619479" y="4704553"/>
+            <a:off x="1619479" y="4623132"/>
             <a:ext cx="6386120" cy="940674"/>
           </a:xfrm>
           <a:prstGeom prst="rect">
@@ -13030,21 +14249,7 @@
                 <a:latin typeface="Cascadia Mono" pitchFamily="50" charset="0"/>
                 <a:cs typeface="Cascadia Mono" pitchFamily="50" charset="0"/>
               </a:rPr>
-              <a:t>PS&gt; git subtree push --prefix </a:t>
-            </a:r>
-            <a:r>
-              <a:rPr lang="en-MY" sz="1400" dirty="0" err="1">
-                <a:latin typeface="Cascadia Mono" pitchFamily="50" charset="0"/>
-                <a:cs typeface="Cascadia Mono" pitchFamily="50" charset="0"/>
-              </a:rPr>
-              <a:t>QuestionPrj</a:t>
-            </a:r>
-            <a:r>
-              <a:rPr lang="en-MY" sz="1400" dirty="0">
-                <a:latin typeface="Cascadia Mono" pitchFamily="50" charset="0"/>
-                <a:cs typeface="Cascadia Mono" pitchFamily="50" charset="0"/>
-              </a:rPr>
-              <a:t> </a:t>
+              <a:t>PS&gt; git push </a:t>
             </a:r>
             <a:r>
               <a:rPr lang="en-MY" sz="1400" dirty="0" err="1">
@@ -13107,164 +14312,6 @@
     <p:extLst>
       <p:ext uri="{BB962C8B-B14F-4D97-AF65-F5344CB8AC3E}">
         <p14:creationId xmlns:p14="http://schemas.microsoft.com/office/powerpoint/2010/main" val="3616968247"/>
-      </p:ext>
-    </p:extLst>
-  </p:cSld>
-  <p:clrMapOvr>
-    <a:masterClrMapping/>
-  </p:clrMapOvr>
-</p:sld>
-</file>
-
-<file path=ppt/slides/slide2.xml><?xml version="1.0" encoding="utf-8"?>
-<p:sld xmlns:a="http://schemas.openxmlformats.org/drawingml/2006/main" xmlns:r="http://schemas.openxmlformats.org/officeDocument/2006/relationships" xmlns:p="http://schemas.openxmlformats.org/presentationml/2006/main">
-  <p:cSld>
-    <p:spTree>
-      <p:nvGrpSpPr>
-        <p:cNvPr id="1" name=""/>
-        <p:cNvGrpSpPr/>
-        <p:nvPr/>
-      </p:nvGrpSpPr>
-      <p:grpSpPr>
-        <a:xfrm>
-          <a:off x="0" y="0"/>
-          <a:ext cx="0" cy="0"/>
-          <a:chOff x="0" y="0"/>
-          <a:chExt cx="0" cy="0"/>
-        </a:xfrm>
-      </p:grpSpPr>
-      <p:sp>
-        <p:nvSpPr>
-          <p:cNvPr id="2" name="Title 1">
-            <a:extLst>
-              <a:ext uri="{FF2B5EF4-FFF2-40B4-BE49-F238E27FC236}">
-                <a16:creationId xmlns:a16="http://schemas.microsoft.com/office/drawing/2014/main" id="{56C49F37-2CD3-4803-BB31-7FCB52F487AF}"/>
-              </a:ext>
-            </a:extLst>
-          </p:cNvPr>
-          <p:cNvSpPr>
-            <a:spLocks noGrp="1"/>
-          </p:cNvSpPr>
-          <p:nvPr>
-            <p:ph type="title"/>
-          </p:nvPr>
-        </p:nvSpPr>
-        <p:spPr/>
-        <p:txBody>
-          <a:bodyPr/>
-          <a:lstStyle/>
-          <a:p>
-            <a:r>
-              <a:rPr lang="en-US" dirty="0"/>
-              <a:t>Utilize the new developed login for question answering</a:t>
-            </a:r>
-            <a:endParaRPr lang="en-MY" dirty="0"/>
-          </a:p>
-        </p:txBody>
-      </p:sp>
-      <p:sp>
-        <p:nvSpPr>
-          <p:cNvPr id="3" name="Content Placeholder 2">
-            <a:extLst>
-              <a:ext uri="{FF2B5EF4-FFF2-40B4-BE49-F238E27FC236}">
-                <a16:creationId xmlns:a16="http://schemas.microsoft.com/office/drawing/2014/main" id="{2E72B76A-B402-46FA-BD58-10785EC636B6}"/>
-              </a:ext>
-            </a:extLst>
-          </p:cNvPr>
-          <p:cNvSpPr>
-            <a:spLocks noGrp="1"/>
-          </p:cNvSpPr>
-          <p:nvPr>
-            <p:ph idx="1"/>
-          </p:nvPr>
-        </p:nvSpPr>
-        <p:spPr>
-          <a:xfrm>
-            <a:off x="1069847" y="2121408"/>
-            <a:ext cx="9760909" cy="2921109"/>
-          </a:xfrm>
-        </p:spPr>
-        <p:txBody>
-          <a:bodyPr/>
-          <a:lstStyle/>
-          <a:p>
-            <a:r>
-              <a:rPr lang="en-US" dirty="0"/>
-              <a:t>Make the view use Login </a:t>
-            </a:r>
-            <a:r>
-              <a:rPr lang="en-US" dirty="0" err="1"/>
-              <a:t>Mixin</a:t>
-            </a:r>
-            <a:r>
-              <a:rPr lang="en-US" dirty="0"/>
-              <a:t> thus must login then come to the views (start vote, voting, voted)</a:t>
-            </a:r>
-          </a:p>
-          <a:p>
-            <a:r>
-              <a:rPr lang="en-US" dirty="0"/>
-              <a:t>No need to record the </a:t>
-            </a:r>
-            <a:r>
-              <a:rPr lang="en-US" dirty="0" err="1"/>
-              <a:t>user_name</a:t>
-            </a:r>
-            <a:r>
-              <a:rPr lang="en-US" dirty="0"/>
-              <a:t> in session. </a:t>
-            </a:r>
-            <a:r>
-              <a:rPr lang="en-MY" dirty="0"/>
-              <a:t>User str(</a:t>
-            </a:r>
-            <a:r>
-              <a:rPr lang="en-MY" dirty="0" err="1"/>
-              <a:t>request.user</a:t>
-            </a:r>
-            <a:r>
-              <a:rPr lang="en-MY" dirty="0"/>
-              <a:t>) as user name (it is done by login to record user name)</a:t>
-            </a:r>
-          </a:p>
-          <a:p>
-            <a:r>
-              <a:rPr lang="en-MY" dirty="0"/>
-              <a:t>Change to use template view instead of the function view.</a:t>
-            </a:r>
-          </a:p>
-          <a:p>
-            <a:r>
-              <a:rPr lang="en-MY" dirty="0" err="1"/>
-              <a:t>Start_vote</a:t>
-            </a:r>
-            <a:r>
-              <a:rPr lang="en-MY" dirty="0"/>
-              <a:t> view inherited from View, Voting view inherited from </a:t>
-            </a:r>
-            <a:r>
-              <a:rPr lang="en-MY" dirty="0" err="1"/>
-              <a:t>FormView</a:t>
-            </a:r>
-            <a:r>
-              <a:rPr lang="en-MY" dirty="0"/>
-              <a:t>, Voted view inherited from </a:t>
-            </a:r>
-            <a:r>
-              <a:rPr lang="en-MY" dirty="0" err="1"/>
-              <a:t>TemplateView</a:t>
-            </a:r>
-            <a:r>
-              <a:rPr lang="en-MY" dirty="0"/>
-              <a:t>.</a:t>
-            </a:r>
-          </a:p>
-        </p:txBody>
-      </p:sp>
-    </p:spTree>
-    <p:extLst>
-      <p:ext uri="{BB962C8B-B14F-4D97-AF65-F5344CB8AC3E}">
-        <p14:creationId xmlns:p14="http://schemas.microsoft.com/office/powerpoint/2010/main" val="2752379900"/>
       </p:ext>
     </p:extLst>
   </p:cSld>
@@ -13598,8 +14645,19 @@
                 <a:latin typeface="Cascadia Mono" pitchFamily="50" charset="0"/>
                 <a:cs typeface="Cascadia Mono" pitchFamily="50" charset="0"/>
               </a:rPr>
-              <a:t>PS&gt; cd 2myprj</a:t>
-            </a:r>
+              <a:t>PS&gt; cd </a:t>
+            </a:r>
+            <a:r>
+              <a:rPr lang="en-US" sz="1400" dirty="0" err="1">
+                <a:latin typeface="Cascadia Mono" pitchFamily="50" charset="0"/>
+                <a:cs typeface="Cascadia Mono" pitchFamily="50" charset="0"/>
+              </a:rPr>
+              <a:t>QuestionPrj</a:t>
+            </a:r>
+            <a:endParaRPr lang="en-US" sz="1400" dirty="0">
+              <a:latin typeface="Cascadia Mono" pitchFamily="50" charset="0"/>
+              <a:cs typeface="Cascadia Mono" pitchFamily="50" charset="0"/>
+            </a:endParaRPr>
           </a:p>
           <a:p>
             <a:pPr marL="0" indent="0">
@@ -13617,7 +14675,7 @@
                 <a:latin typeface="Cascadia Mono" pitchFamily="50" charset="0"/>
                 <a:cs typeface="Cascadia Mono" pitchFamily="50" charset="0"/>
               </a:rPr>
-              <a:t>add_class_view_singup_form</a:t>
+              <a:t>add_class_view_signup_form</a:t>
             </a:r>
             <a:endParaRPr lang="en-US" sz="1400" dirty="0">
               <a:latin typeface="Cascadia Mono" pitchFamily="50" charset="0"/>
@@ -14071,8 +15129,8 @@
         </p:blipFill>
         <p:spPr>
           <a:xfrm>
-            <a:off x="5139816" y="2003794"/>
-            <a:ext cx="7052184" cy="4192312"/>
+            <a:off x="5139816" y="1905000"/>
+            <a:ext cx="7052184" cy="4291106"/>
           </a:xfrm>
           <a:prstGeom prst="rect">
             <a:avLst/>
@@ -14114,6 +15172,290 @@
           <p:cNvPr id="2" name="Title 1">
             <a:extLst>
               <a:ext uri="{FF2B5EF4-FFF2-40B4-BE49-F238E27FC236}">
+                <a16:creationId xmlns:a16="http://schemas.microsoft.com/office/drawing/2014/main" id="{8842D5AE-E119-48FF-8410-70624DC49F28}"/>
+              </a:ext>
+            </a:extLst>
+          </p:cNvPr>
+          <p:cNvSpPr>
+            <a:spLocks noGrp="1"/>
+          </p:cNvSpPr>
+          <p:nvPr>
+            <p:ph type="title"/>
+          </p:nvPr>
+        </p:nvSpPr>
+        <p:spPr/>
+        <p:txBody>
+          <a:bodyPr/>
+          <a:lstStyle/>
+          <a:p>
+            <a:r>
+              <a:rPr lang="en-US" dirty="0"/>
+              <a:t>Add Questionapp/forms.py, dynamic form</a:t>
+            </a:r>
+            <a:endParaRPr lang="en-MY" dirty="0"/>
+          </a:p>
+        </p:txBody>
+      </p:sp>
+      <p:sp>
+        <p:nvSpPr>
+          <p:cNvPr id="3" name="Content Placeholder 2">
+            <a:extLst>
+              <a:ext uri="{FF2B5EF4-FFF2-40B4-BE49-F238E27FC236}">
+                <a16:creationId xmlns:a16="http://schemas.microsoft.com/office/drawing/2014/main" id="{20A33258-6B3A-4D24-A4E3-65649674577B}"/>
+              </a:ext>
+            </a:extLst>
+          </p:cNvPr>
+          <p:cNvSpPr>
+            <a:spLocks noGrp="1"/>
+          </p:cNvSpPr>
+          <p:nvPr>
+            <p:ph idx="1"/>
+          </p:nvPr>
+        </p:nvSpPr>
+        <p:spPr>
+          <a:xfrm>
+            <a:off x="1069848" y="2121408"/>
+            <a:ext cx="3296879" cy="4521988"/>
+          </a:xfrm>
+        </p:spPr>
+        <p:txBody>
+          <a:bodyPr>
+            <a:normAutofit/>
+          </a:bodyPr>
+          <a:lstStyle/>
+          <a:p>
+            <a:r>
+              <a:rPr lang="en-US" dirty="0"/>
+              <a:t>Voting view need a form. Create a forms.py file</a:t>
+            </a:r>
+          </a:p>
+          <a:p>
+            <a:r>
+              <a:rPr lang="en-US" dirty="0"/>
+              <a:t>This is a dynamic form (fields cannot be decide fixed. It must be according to the content of question and choices)</a:t>
+            </a:r>
+          </a:p>
+          <a:p>
+            <a:r>
+              <a:rPr lang="en-US" dirty="0"/>
+              <a:t>This form when instantiated, the __</a:t>
+            </a:r>
+            <a:r>
+              <a:rPr lang="en-US" dirty="0" err="1"/>
+              <a:t>init</a:t>
+            </a:r>
+            <a:r>
+              <a:rPr lang="en-US" dirty="0"/>
+              <a:t>__ function will make it according to the question.</a:t>
+            </a:r>
+            <a:endParaRPr lang="en-MY" dirty="0"/>
+          </a:p>
+          <a:p>
+            <a:endParaRPr lang="en-MY" dirty="0"/>
+          </a:p>
+        </p:txBody>
+      </p:sp>
+      <p:pic>
+        <p:nvPicPr>
+          <p:cNvPr id="5" name="Picture 4">
+            <a:extLst>
+              <a:ext uri="{FF2B5EF4-FFF2-40B4-BE49-F238E27FC236}">
+                <a16:creationId xmlns:a16="http://schemas.microsoft.com/office/drawing/2014/main" id="{79C8E422-9588-4952-8F95-E340D7C37D47}"/>
+              </a:ext>
+            </a:extLst>
+          </p:cNvPr>
+          <p:cNvPicPr>
+            <a:picLocks noChangeAspect="1"/>
+          </p:cNvPicPr>
+          <p:nvPr/>
+        </p:nvPicPr>
+        <p:blipFill>
+          <a:blip r:embed="rId2"/>
+          <a:stretch>
+            <a:fillRect/>
+          </a:stretch>
+        </p:blipFill>
+        <p:spPr>
+          <a:xfrm>
+            <a:off x="4771889" y="2093976"/>
+            <a:ext cx="7180545" cy="4008244"/>
+          </a:xfrm>
+          <a:prstGeom prst="rect">
+            <a:avLst/>
+          </a:prstGeom>
+        </p:spPr>
+      </p:pic>
+    </p:spTree>
+    <p:extLst>
+      <p:ext uri="{BB962C8B-B14F-4D97-AF65-F5344CB8AC3E}">
+        <p14:creationId xmlns:p14="http://schemas.microsoft.com/office/powerpoint/2010/main" val="1322435330"/>
+      </p:ext>
+    </p:extLst>
+  </p:cSld>
+  <p:clrMapOvr>
+    <a:masterClrMapping/>
+  </p:clrMapOvr>
+</p:sld>
+</file>
+
+<file path=ppt/slides/slide8.xml><?xml version="1.0" encoding="utf-8"?>
+<p:sld xmlns:a="http://schemas.openxmlformats.org/drawingml/2006/main" xmlns:r="http://schemas.openxmlformats.org/officeDocument/2006/relationships" xmlns:p="http://schemas.openxmlformats.org/presentationml/2006/main">
+  <p:cSld>
+    <p:spTree>
+      <p:nvGrpSpPr>
+        <p:cNvPr id="1" name=""/>
+        <p:cNvGrpSpPr/>
+        <p:nvPr/>
+      </p:nvGrpSpPr>
+      <p:grpSpPr>
+        <a:xfrm>
+          <a:off x="0" y="0"/>
+          <a:ext cx="0" cy="0"/>
+          <a:chOff x="0" y="0"/>
+          <a:chExt cx="0" cy="0"/>
+        </a:xfrm>
+      </p:grpSpPr>
+      <p:sp>
+        <p:nvSpPr>
+          <p:cNvPr id="2" name="Title 1">
+            <a:extLst>
+              <a:ext uri="{FF2B5EF4-FFF2-40B4-BE49-F238E27FC236}">
+                <a16:creationId xmlns:a16="http://schemas.microsoft.com/office/drawing/2014/main" id="{57D99CE0-9E74-46E3-A1E8-0834125FCC5A}"/>
+              </a:ext>
+            </a:extLst>
+          </p:cNvPr>
+          <p:cNvSpPr>
+            <a:spLocks noGrp="1"/>
+          </p:cNvSpPr>
+          <p:nvPr>
+            <p:ph type="title"/>
+          </p:nvPr>
+        </p:nvSpPr>
+        <p:spPr/>
+        <p:txBody>
+          <a:bodyPr/>
+          <a:lstStyle/>
+          <a:p>
+            <a:r>
+              <a:rPr lang="en-US" dirty="0"/>
+              <a:t>Chang the voting template to use the form defined</a:t>
+            </a:r>
+            <a:endParaRPr lang="en-MY" dirty="0"/>
+          </a:p>
+        </p:txBody>
+      </p:sp>
+      <p:pic>
+        <p:nvPicPr>
+          <p:cNvPr id="5" name="Picture 4">
+            <a:extLst>
+              <a:ext uri="{FF2B5EF4-FFF2-40B4-BE49-F238E27FC236}">
+                <a16:creationId xmlns:a16="http://schemas.microsoft.com/office/drawing/2014/main" id="{4F6FEC8A-3638-43A8-89E4-F4CCE3D17680}"/>
+              </a:ext>
+            </a:extLst>
+          </p:cNvPr>
+          <p:cNvPicPr>
+            <a:picLocks noChangeAspect="1"/>
+          </p:cNvPicPr>
+          <p:nvPr/>
+        </p:nvPicPr>
+        <p:blipFill>
+          <a:blip r:embed="rId2"/>
+          <a:stretch>
+            <a:fillRect/>
+          </a:stretch>
+        </p:blipFill>
+        <p:spPr>
+          <a:xfrm>
+            <a:off x="2605784" y="2975908"/>
+            <a:ext cx="4601217" cy="2095792"/>
+          </a:xfrm>
+          <a:prstGeom prst="rect">
+            <a:avLst/>
+          </a:prstGeom>
+        </p:spPr>
+      </p:pic>
+      <p:sp>
+        <p:nvSpPr>
+          <p:cNvPr id="6" name="Rectangle 5">
+            <a:extLst>
+              <a:ext uri="{FF2B5EF4-FFF2-40B4-BE49-F238E27FC236}">
+                <a16:creationId xmlns:a16="http://schemas.microsoft.com/office/drawing/2014/main" id="{66712501-165B-4044-B233-067E05B81582}"/>
+              </a:ext>
+            </a:extLst>
+          </p:cNvPr>
+          <p:cNvSpPr/>
+          <p:nvPr/>
+        </p:nvSpPr>
+        <p:spPr>
+          <a:xfrm>
+            <a:off x="3266983" y="4101483"/>
+            <a:ext cx="1597980" cy="239698"/>
+          </a:xfrm>
+          <a:prstGeom prst="rect">
+            <a:avLst/>
+          </a:prstGeom>
+          <a:noFill/>
+        </p:spPr>
+        <p:style>
+          <a:lnRef idx="2">
+            <a:schemeClr val="accent1">
+              <a:shade val="50000"/>
+            </a:schemeClr>
+          </a:lnRef>
+          <a:fillRef idx="1">
+            <a:schemeClr val="accent1"/>
+          </a:fillRef>
+          <a:effectRef idx="0">
+            <a:schemeClr val="accent1"/>
+          </a:effectRef>
+          <a:fontRef idx="minor">
+            <a:schemeClr val="lt1"/>
+          </a:fontRef>
+        </p:style>
+        <p:txBody>
+          <a:bodyPr rtlCol="0" anchor="ctr"/>
+          <a:lstStyle/>
+          <a:p>
+            <a:pPr algn="ctr"/>
+            <a:endParaRPr lang="en-MY"/>
+          </a:p>
+        </p:txBody>
+      </p:sp>
+    </p:spTree>
+    <p:extLst>
+      <p:ext uri="{BB962C8B-B14F-4D97-AF65-F5344CB8AC3E}">
+        <p14:creationId xmlns:p14="http://schemas.microsoft.com/office/powerpoint/2010/main" val="1533669081"/>
+      </p:ext>
+    </p:extLst>
+  </p:cSld>
+  <p:clrMapOvr>
+    <a:masterClrMapping/>
+  </p:clrMapOvr>
+</p:sld>
+</file>
+
+<file path=ppt/slides/slide9.xml><?xml version="1.0" encoding="utf-8"?>
+<p:sld xmlns:a="http://schemas.openxmlformats.org/drawingml/2006/main" xmlns:r="http://schemas.openxmlformats.org/officeDocument/2006/relationships" xmlns:p="http://schemas.openxmlformats.org/presentationml/2006/main">
+  <p:cSld>
+    <p:spTree>
+      <p:nvGrpSpPr>
+        <p:cNvPr id="1" name=""/>
+        <p:cNvGrpSpPr/>
+        <p:nvPr/>
+      </p:nvGrpSpPr>
+      <p:grpSpPr>
+        <a:xfrm>
+          <a:off x="0" y="0"/>
+          <a:ext cx="0" cy="0"/>
+          <a:chOff x="0" y="0"/>
+          <a:chExt cx="0" cy="0"/>
+        </a:xfrm>
+      </p:grpSpPr>
+      <p:sp>
+        <p:nvSpPr>
+          <p:cNvPr id="2" name="Title 1">
+            <a:extLst>
+              <a:ext uri="{FF2B5EF4-FFF2-40B4-BE49-F238E27FC236}">
                 <a16:creationId xmlns:a16="http://schemas.microsoft.com/office/drawing/2014/main" id="{2C1E0989-3433-48A1-9439-ACD2093AF373}"/>
               </a:ext>
             </a:extLst>
@@ -14213,231 +15555,6 @@
     <p:extLst>
       <p:ext uri="{BB962C8B-B14F-4D97-AF65-F5344CB8AC3E}">
         <p14:creationId xmlns:p14="http://schemas.microsoft.com/office/powerpoint/2010/main" val="2827388619"/>
-      </p:ext>
-    </p:extLst>
-  </p:cSld>
-  <p:clrMapOvr>
-    <a:masterClrMapping/>
-  </p:clrMapOvr>
-</p:sld>
-</file>
-
-<file path=ppt/slides/slide8.xml><?xml version="1.0" encoding="utf-8"?>
-<p:sld xmlns:a="http://schemas.openxmlformats.org/drawingml/2006/main" xmlns:r="http://schemas.openxmlformats.org/officeDocument/2006/relationships" xmlns:p="http://schemas.openxmlformats.org/presentationml/2006/main">
-  <p:cSld>
-    <p:spTree>
-      <p:nvGrpSpPr>
-        <p:cNvPr id="1" name=""/>
-        <p:cNvGrpSpPr/>
-        <p:nvPr/>
-      </p:nvGrpSpPr>
-      <p:grpSpPr>
-        <a:xfrm>
-          <a:off x="0" y="0"/>
-          <a:ext cx="0" cy="0"/>
-          <a:chOff x="0" y="0"/>
-          <a:chExt cx="0" cy="0"/>
-        </a:xfrm>
-      </p:grpSpPr>
-      <p:sp>
-        <p:nvSpPr>
-          <p:cNvPr id="2" name="Title 1">
-            <a:extLst>
-              <a:ext uri="{FF2B5EF4-FFF2-40B4-BE49-F238E27FC236}">
-                <a16:creationId xmlns:a16="http://schemas.microsoft.com/office/drawing/2014/main" id="{5EE8EF30-CDF7-4D40-BBC3-A016F1581E91}"/>
-              </a:ext>
-            </a:extLst>
-          </p:cNvPr>
-          <p:cNvSpPr>
-            <a:spLocks noGrp="1"/>
-          </p:cNvSpPr>
-          <p:nvPr>
-            <p:ph type="title"/>
-          </p:nvPr>
-        </p:nvSpPr>
-        <p:spPr>
-          <a:xfrm>
-            <a:off x="1069848" y="484632"/>
-            <a:ext cx="10444490" cy="1609344"/>
-          </a:xfrm>
-        </p:spPr>
-        <p:txBody>
-          <a:bodyPr>
-            <a:normAutofit/>
-          </a:bodyPr>
-          <a:lstStyle/>
-          <a:p>
-            <a:r>
-              <a:rPr lang="en-US" dirty="0"/>
-              <a:t>Changed home page link for start answering</a:t>
-            </a:r>
-            <a:endParaRPr lang="en-MY" dirty="0"/>
-          </a:p>
-        </p:txBody>
-      </p:sp>
-      <p:pic>
-        <p:nvPicPr>
-          <p:cNvPr id="6" name="Picture 5">
-            <a:extLst>
-              <a:ext uri="{FF2B5EF4-FFF2-40B4-BE49-F238E27FC236}">
-                <a16:creationId xmlns:a16="http://schemas.microsoft.com/office/drawing/2014/main" id="{15A8935B-0CAF-4DBE-939B-689479F4FC22}"/>
-              </a:ext>
-            </a:extLst>
-          </p:cNvPr>
-          <p:cNvPicPr>
-            <a:picLocks noChangeAspect="1"/>
-          </p:cNvPicPr>
-          <p:nvPr/>
-        </p:nvPicPr>
-        <p:blipFill>
-          <a:blip r:embed="rId2"/>
-          <a:stretch>
-            <a:fillRect/>
-          </a:stretch>
-        </p:blipFill>
-        <p:spPr>
-          <a:xfrm>
-            <a:off x="2210663" y="3002056"/>
-            <a:ext cx="5515745" cy="1066949"/>
-          </a:xfrm>
-          <a:prstGeom prst="rect">
-            <a:avLst/>
-          </a:prstGeom>
-        </p:spPr>
-      </p:pic>
-    </p:spTree>
-    <p:extLst>
-      <p:ext uri="{BB962C8B-B14F-4D97-AF65-F5344CB8AC3E}">
-        <p14:creationId xmlns:p14="http://schemas.microsoft.com/office/powerpoint/2010/main" val="4222901175"/>
-      </p:ext>
-    </p:extLst>
-  </p:cSld>
-  <p:clrMapOvr>
-    <a:masterClrMapping/>
-  </p:clrMapOvr>
-</p:sld>
-</file>
-
-<file path=ppt/slides/slide9.xml><?xml version="1.0" encoding="utf-8"?>
-<p:sld xmlns:a="http://schemas.openxmlformats.org/drawingml/2006/main" xmlns:r="http://schemas.openxmlformats.org/officeDocument/2006/relationships" xmlns:p="http://schemas.openxmlformats.org/presentationml/2006/main">
-  <p:cSld>
-    <p:spTree>
-      <p:nvGrpSpPr>
-        <p:cNvPr id="1" name=""/>
-        <p:cNvGrpSpPr/>
-        <p:nvPr/>
-      </p:nvGrpSpPr>
-      <p:grpSpPr>
-        <a:xfrm>
-          <a:off x="0" y="0"/>
-          <a:ext cx="0" cy="0"/>
-          <a:chOff x="0" y="0"/>
-          <a:chExt cx="0" cy="0"/>
-        </a:xfrm>
-      </p:grpSpPr>
-      <p:sp>
-        <p:nvSpPr>
-          <p:cNvPr id="2" name="Title 1">
-            <a:extLst>
-              <a:ext uri="{FF2B5EF4-FFF2-40B4-BE49-F238E27FC236}">
-                <a16:creationId xmlns:a16="http://schemas.microsoft.com/office/drawing/2014/main" id="{8842D5AE-E119-48FF-8410-70624DC49F28}"/>
-              </a:ext>
-            </a:extLst>
-          </p:cNvPr>
-          <p:cNvSpPr>
-            <a:spLocks noGrp="1"/>
-          </p:cNvSpPr>
-          <p:nvPr>
-            <p:ph type="title"/>
-          </p:nvPr>
-        </p:nvSpPr>
-        <p:spPr/>
-        <p:txBody>
-          <a:bodyPr/>
-          <a:lstStyle/>
-          <a:p>
-            <a:r>
-              <a:rPr lang="en-US" dirty="0"/>
-              <a:t>Add Questionapp/forms.py for voting</a:t>
-            </a:r>
-            <a:endParaRPr lang="en-MY" dirty="0"/>
-          </a:p>
-        </p:txBody>
-      </p:sp>
-      <p:sp>
-        <p:nvSpPr>
-          <p:cNvPr id="3" name="Content Placeholder 2">
-            <a:extLst>
-              <a:ext uri="{FF2B5EF4-FFF2-40B4-BE49-F238E27FC236}">
-                <a16:creationId xmlns:a16="http://schemas.microsoft.com/office/drawing/2014/main" id="{20A33258-6B3A-4D24-A4E3-65649674577B}"/>
-              </a:ext>
-            </a:extLst>
-          </p:cNvPr>
-          <p:cNvSpPr>
-            <a:spLocks noGrp="1"/>
-          </p:cNvSpPr>
-          <p:nvPr>
-            <p:ph idx="1"/>
-          </p:nvPr>
-        </p:nvSpPr>
-        <p:spPr>
-          <a:xfrm>
-            <a:off x="1069848" y="2121408"/>
-            <a:ext cx="10058400" cy="1110064"/>
-          </a:xfrm>
-        </p:spPr>
-        <p:txBody>
-          <a:bodyPr/>
-          <a:lstStyle/>
-          <a:p>
-            <a:r>
-              <a:rPr lang="en-US" dirty="0"/>
-              <a:t>Voting view need a form</a:t>
-            </a:r>
-          </a:p>
-          <a:p>
-            <a:r>
-              <a:rPr lang="en-US" dirty="0"/>
-              <a:t>This is a dynamic form (fields cannot be decide fixed. It must be according to the question choices)</a:t>
-            </a:r>
-            <a:endParaRPr lang="en-MY" dirty="0"/>
-          </a:p>
-        </p:txBody>
-      </p:sp>
-      <p:pic>
-        <p:nvPicPr>
-          <p:cNvPr id="5" name="Picture 4">
-            <a:extLst>
-              <a:ext uri="{FF2B5EF4-FFF2-40B4-BE49-F238E27FC236}">
-                <a16:creationId xmlns:a16="http://schemas.microsoft.com/office/drawing/2014/main" id="{79C8E422-9588-4952-8F95-E340D7C37D47}"/>
-              </a:ext>
-            </a:extLst>
-          </p:cNvPr>
-          <p:cNvPicPr>
-            <a:picLocks noChangeAspect="1"/>
-          </p:cNvPicPr>
-          <p:nvPr/>
-        </p:nvPicPr>
-        <p:blipFill>
-          <a:blip r:embed="rId2"/>
-          <a:stretch>
-            <a:fillRect/>
-          </a:stretch>
-        </p:blipFill>
-        <p:spPr>
-          <a:xfrm>
-            <a:off x="2789270" y="3258904"/>
-            <a:ext cx="6382641" cy="3562847"/>
-          </a:xfrm>
-          <a:prstGeom prst="rect">
-            <a:avLst/>
-          </a:prstGeom>
-        </p:spPr>
-      </p:pic>
-    </p:spTree>
-    <p:extLst>
-      <p:ext uri="{BB962C8B-B14F-4D97-AF65-F5344CB8AC3E}">
-        <p14:creationId xmlns:p14="http://schemas.microsoft.com/office/powerpoint/2010/main" val="1322435330"/>
       </p:ext>
     </p:extLst>
   </p:cSld>

--- a/Py Web Unit2f.pptx
+++ b/Py Web Unit2f.pptx
@@ -5334,18 +5334,18 @@
   <pc:docChgLst>
     <pc:chgData name="Li Lixiang" userId="6104bbfcb56aea79" providerId="LiveId" clId="{F174B022-5B7F-4BF5-AAE0-22EF4B818302}"/>
     <pc:docChg chg="undo custSel addSld delSld modSld sldOrd">
-      <pc:chgData name="Li Lixiang" userId="6104bbfcb56aea79" providerId="LiveId" clId="{F174B022-5B7F-4BF5-AAE0-22EF4B818302}" dt="2021-11-16T10:36:45.096" v="3996" actId="20577"/>
+      <pc:chgData name="Li Lixiang" userId="6104bbfcb56aea79" providerId="LiveId" clId="{F174B022-5B7F-4BF5-AAE0-22EF4B818302}" dt="2021-12-23T11:02:34.294" v="4006" actId="20577"/>
       <pc:docMkLst>
         <pc:docMk/>
       </pc:docMkLst>
       <pc:sldChg chg="modSp mod">
-        <pc:chgData name="Li Lixiang" userId="6104bbfcb56aea79" providerId="LiveId" clId="{F174B022-5B7F-4BF5-AAE0-22EF4B818302}" dt="2021-10-22T07:28:41.052" v="2892" actId="20577"/>
+        <pc:chgData name="Li Lixiang" userId="6104bbfcb56aea79" providerId="LiveId" clId="{F174B022-5B7F-4BF5-AAE0-22EF4B818302}" dt="2021-12-23T11:02:34.294" v="4006" actId="20577"/>
         <pc:sldMkLst>
           <pc:docMk/>
           <pc:sldMk cId="993770899" sldId="256"/>
         </pc:sldMkLst>
         <pc:spChg chg="mod">
-          <ac:chgData name="Li Lixiang" userId="6104bbfcb56aea79" providerId="LiveId" clId="{F174B022-5B7F-4BF5-AAE0-22EF4B818302}" dt="2021-10-22T07:28:41.052" v="2892" actId="20577"/>
+          <ac:chgData name="Li Lixiang" userId="6104bbfcb56aea79" providerId="LiveId" clId="{F174B022-5B7F-4BF5-AAE0-22EF4B818302}" dt="2021-12-23T11:02:34.294" v="4006" actId="20577"/>
           <ac:spMkLst>
             <pc:docMk/>
             <pc:sldMk cId="993770899" sldId="256"/>
@@ -7484,7 +7484,7 @@
             <a:fld id="{A5B0A250-5CC0-1746-B209-08E8B0DAE6AF}" type="datetimeFigureOut">
               <a:rPr lang="en-US" smtClean="0"/>
               <a:pPr algn="l"/>
-              <a:t>11/16/2021</a:t>
+              <a:t>12/23/2021</a:t>
             </a:fld>
             <a:endParaRPr lang="en-US" dirty="0"/>
           </a:p>
@@ -7663,7 +7663,7 @@
           <a:p>
             <a:fld id="{A5B0A250-5CC0-1746-B209-08E8B0DAE6AF}" type="datetimeFigureOut">
               <a:rPr lang="en-US" smtClean="0"/>
-              <a:t>11/16/2021</a:t>
+              <a:t>12/23/2021</a:t>
             </a:fld>
             <a:endParaRPr lang="en-US" dirty="0"/>
           </a:p>
@@ -7843,7 +7843,7 @@
           <a:p>
             <a:fld id="{A5B0A250-5CC0-1746-B209-08E8B0DAE6AF}" type="datetimeFigureOut">
               <a:rPr lang="en-US" smtClean="0"/>
-              <a:t>11/16/2021</a:t>
+              <a:t>12/23/2021</a:t>
             </a:fld>
             <a:endParaRPr lang="en-US"/>
           </a:p>
@@ -8013,7 +8013,7 @@
           <a:p>
             <a:fld id="{A5B0A250-5CC0-1746-B209-08E8B0DAE6AF}" type="datetimeFigureOut">
               <a:rPr lang="en-US" smtClean="0"/>
-              <a:t>11/16/2021</a:t>
+              <a:t>12/23/2021</a:t>
             </a:fld>
             <a:endParaRPr lang="en-US" dirty="0"/>
           </a:p>
@@ -8326,7 +8326,7 @@
           <a:p>
             <a:fld id="{A5B0A250-5CC0-1746-B209-08E8B0DAE6AF}" type="datetimeFigureOut">
               <a:rPr lang="en-US" smtClean="0"/>
-              <a:t>11/16/2021</a:t>
+              <a:t>12/23/2021</a:t>
             </a:fld>
             <a:endParaRPr lang="en-US" dirty="0"/>
           </a:p>
@@ -8712,7 +8712,7 @@
           <a:p>
             <a:fld id="{A5B0A250-5CC0-1746-B209-08E8B0DAE6AF}" type="datetimeFigureOut">
               <a:rPr lang="en-US" smtClean="0"/>
-              <a:t>11/16/2021</a:t>
+              <a:t>12/23/2021</a:t>
             </a:fld>
             <a:endParaRPr lang="en-US" dirty="0"/>
           </a:p>
@@ -9146,7 +9146,7 @@
           <a:p>
             <a:fld id="{A5B0A250-5CC0-1746-B209-08E8B0DAE6AF}" type="datetimeFigureOut">
               <a:rPr lang="en-US" smtClean="0"/>
-              <a:t>11/16/2021</a:t>
+              <a:t>12/23/2021</a:t>
             </a:fld>
             <a:endParaRPr lang="en-US" dirty="0"/>
           </a:p>
@@ -9264,7 +9264,7 @@
           <a:p>
             <a:fld id="{A5B0A250-5CC0-1746-B209-08E8B0DAE6AF}" type="datetimeFigureOut">
               <a:rPr lang="en-US" smtClean="0"/>
-              <a:t>11/16/2021</a:t>
+              <a:t>12/23/2021</a:t>
             </a:fld>
             <a:endParaRPr lang="en-US" dirty="0"/>
           </a:p>
@@ -9360,7 +9360,7 @@
             <a:fld id="{A5B0A250-5CC0-1746-B209-08E8B0DAE6AF}" type="datetimeFigureOut">
               <a:rPr lang="en-US" smtClean="0"/>
               <a:pPr/>
-              <a:t>11/16/2021</a:t>
+              <a:t>12/23/2021</a:t>
             </a:fld>
             <a:endParaRPr lang="en-US" dirty="0"/>
           </a:p>
@@ -9711,7 +9711,7 @@
           <a:p>
             <a:fld id="{A5B0A250-5CC0-1746-B209-08E8B0DAE6AF}" type="datetimeFigureOut">
               <a:rPr lang="en-US" smtClean="0"/>
-              <a:t>11/16/2021</a:t>
+              <a:t>12/23/2021</a:t>
             </a:fld>
             <a:endParaRPr lang="en-US" dirty="0"/>
           </a:p>
@@ -10136,7 +10136,7 @@
           <a:p>
             <a:fld id="{A5B0A250-5CC0-1746-B209-08E8B0DAE6AF}" type="datetimeFigureOut">
               <a:rPr lang="en-US" smtClean="0"/>
-              <a:t>11/16/2021</a:t>
+              <a:t>12/23/2021</a:t>
             </a:fld>
             <a:endParaRPr lang="en-US" dirty="0"/>
           </a:p>
@@ -10418,7 +10418,7 @@
             <a:fld id="{A5B0A250-5CC0-1746-B209-08E8B0DAE6AF}" type="datetimeFigureOut">
               <a:rPr lang="en-US" smtClean="0"/>
               <a:pPr/>
-              <a:t>11/16/2021</a:t>
+              <a:t>12/23/2021</a:t>
             </a:fld>
             <a:endParaRPr lang="en-US" dirty="0"/>
           </a:p>
@@ -11136,7 +11136,7 @@
           <a:p>
             <a:r>
               <a:rPr lang="en-MY" dirty="0"/>
-              <a:t>  --use login/logout for question answering. Add signup</a:t>
+              <a:t>  --class view. Add signup</a:t>
             </a:r>
           </a:p>
         </p:txBody>
